--- a/reports/tttn/thay_tru_v2.pptx
+++ b/reports/tttn/thay_tru_v2.pptx
@@ -222,7 +222,7 @@
           <a:p>
             <a:fld id="{2A963989-F51D-4B78-87A0-2B42C235069E}" type="datetimeFigureOut">
               <a:rPr lang="en-US" smtClean="0"/>
-              <a:t>15/06/2015</a:t>
+              <a:t>15-Jun-15</a:t>
             </a:fld>
             <a:endParaRPr lang="en-US"/>
           </a:p>
@@ -388,7 +388,7 @@
             <a:fld id="{69F8ADEE-DA6F-479F-9793-942DFE9100E4}" type="datetimeFigureOut">
               <a:rPr lang="en-US" smtClean="0"/>
               <a:pPr/>
-              <a:t>15/06/2015</a:t>
+              <a:t>15-Jun-15</a:t>
             </a:fld>
             <a:endParaRPr lang="en-US"/>
           </a:p>
@@ -1466,6 +1466,46 @@
           <a:bodyPr/>
           <a:lstStyle/>
           <a:p>
+            <a:r>
+              <a:rPr lang="en-US" dirty="0" smtClean="0"/>
+              <a:t>//</a:t>
+            </a:r>
+            <a:r>
+              <a:rPr lang="en-US" dirty="0" err="1" smtClean="0"/>
+              <a:t>ghi</a:t>
+            </a:r>
+            <a:r>
+              <a:rPr lang="en-US" baseline="0" dirty="0" smtClean="0"/>
+              <a:t> </a:t>
+            </a:r>
+            <a:r>
+              <a:rPr lang="en-US" baseline="0" dirty="0" err="1" smtClean="0"/>
+              <a:t>chú</a:t>
+            </a:r>
+            <a:r>
+              <a:rPr lang="en-US" baseline="0" dirty="0" smtClean="0"/>
+              <a:t> </a:t>
+            </a:r>
+            <a:r>
+              <a:rPr lang="en-US" baseline="0" dirty="0" err="1" smtClean="0"/>
+              <a:t>nguồn</a:t>
+            </a:r>
+            <a:r>
+              <a:rPr lang="en-US" baseline="0" dirty="0" smtClean="0"/>
+              <a:t> </a:t>
+            </a:r>
+            <a:r>
+              <a:rPr lang="en-US" baseline="0" dirty="0" err="1" smtClean="0"/>
+              <a:t>bài</a:t>
+            </a:r>
+            <a:r>
+              <a:rPr lang="en-US" baseline="0" dirty="0" smtClean="0"/>
+              <a:t> </a:t>
+            </a:r>
+            <a:r>
+              <a:rPr lang="en-US" baseline="0" smtClean="0"/>
+              <a:t>báo</a:t>
+            </a:r>
             <a:endParaRPr lang="en-US" dirty="0"/>
           </a:p>
         </p:txBody>
@@ -1551,6 +1591,114 @@
           <a:bodyPr/>
           <a:lstStyle/>
           <a:p>
+            <a:r>
+              <a:rPr lang="en-US" dirty="0" err="1" smtClean="0"/>
+              <a:t>Mô</a:t>
+            </a:r>
+            <a:r>
+              <a:rPr lang="en-US" baseline="0" dirty="0" smtClean="0"/>
+              <a:t> </a:t>
+            </a:r>
+            <a:r>
+              <a:rPr lang="en-US" baseline="0" dirty="0" err="1" smtClean="0"/>
+              <a:t>hình</a:t>
+            </a:r>
+            <a:r>
+              <a:rPr lang="en-US" baseline="0" dirty="0" smtClean="0"/>
+              <a:t> </a:t>
+            </a:r>
+            <a:r>
+              <a:rPr lang="en-US" baseline="0" dirty="0" err="1" smtClean="0"/>
+              <a:t>cặp</a:t>
+            </a:r>
+            <a:r>
+              <a:rPr lang="en-US" baseline="0" dirty="0" smtClean="0"/>
+              <a:t> </a:t>
+            </a:r>
+            <a:r>
+              <a:rPr lang="en-US" baseline="0" dirty="0" err="1" smtClean="0"/>
+              <a:t>khái</a:t>
+            </a:r>
+            <a:r>
+              <a:rPr lang="en-US" baseline="0" dirty="0" smtClean="0"/>
+              <a:t> </a:t>
+            </a:r>
+            <a:r>
+              <a:rPr lang="en-US" baseline="0" dirty="0" err="1" smtClean="0"/>
+              <a:t>niệm</a:t>
+            </a:r>
+            <a:r>
+              <a:rPr lang="en-US" baseline="0" dirty="0" smtClean="0"/>
+              <a:t> </a:t>
+            </a:r>
+            <a:r>
+              <a:rPr lang="en-US" baseline="0" dirty="0" err="1" smtClean="0"/>
+              <a:t>là</a:t>
+            </a:r>
+            <a:r>
+              <a:rPr lang="en-US" baseline="0" dirty="0" smtClean="0"/>
+              <a:t> </a:t>
+            </a:r>
+            <a:r>
+              <a:rPr lang="en-US" baseline="0" dirty="0" err="1" smtClean="0"/>
+              <a:t>mô</a:t>
+            </a:r>
+            <a:r>
+              <a:rPr lang="en-US" baseline="0" dirty="0" smtClean="0"/>
+              <a:t> </a:t>
+            </a:r>
+            <a:r>
+              <a:rPr lang="en-US" baseline="0" dirty="0" err="1" smtClean="0"/>
+              <a:t>hình</a:t>
+            </a:r>
+            <a:r>
+              <a:rPr lang="en-US" baseline="0" dirty="0" smtClean="0"/>
+              <a:t> </a:t>
+            </a:r>
+            <a:r>
+              <a:rPr lang="en-US" baseline="0" dirty="0" err="1" smtClean="0"/>
+              <a:t>đơn</a:t>
+            </a:r>
+            <a:r>
+              <a:rPr lang="en-US" baseline="0" dirty="0" smtClean="0"/>
+              <a:t> </a:t>
+            </a:r>
+            <a:r>
+              <a:rPr lang="en-US" baseline="0" dirty="0" err="1" smtClean="0"/>
+              <a:t>giản</a:t>
+            </a:r>
+            <a:r>
+              <a:rPr lang="en-US" baseline="0" dirty="0" smtClean="0"/>
+              <a:t> </a:t>
+            </a:r>
+            <a:r>
+              <a:rPr lang="en-US" baseline="0" dirty="0" err="1" smtClean="0"/>
+              <a:t>nhất</a:t>
+            </a:r>
+            <a:r>
+              <a:rPr lang="en-US" baseline="0" dirty="0" smtClean="0"/>
+              <a:t> </a:t>
+            </a:r>
+            <a:r>
+              <a:rPr lang="en-US" baseline="0" dirty="0" err="1" smtClean="0"/>
+              <a:t>trong</a:t>
+            </a:r>
+            <a:r>
+              <a:rPr lang="en-US" baseline="0" dirty="0" smtClean="0"/>
+              <a:t> 3 </a:t>
+            </a:r>
+            <a:r>
+              <a:rPr lang="en-US" baseline="0" dirty="0" err="1" smtClean="0"/>
+              <a:t>mô</a:t>
+            </a:r>
+            <a:r>
+              <a:rPr lang="en-US" baseline="0" dirty="0" smtClean="0"/>
+              <a:t> </a:t>
+            </a:r>
+            <a:r>
+              <a:rPr lang="en-US" baseline="0" dirty="0" err="1" smtClean="0"/>
+              <a:t>hình</a:t>
+            </a:r>
             <a:endParaRPr lang="en-US" dirty="0"/>
           </a:p>
         </p:txBody>
@@ -1858,7 +2006,7 @@
           <a:p>
             <a:fld id="{B65EC3BD-4A04-42F2-9937-D2ABD88EB778}" type="datetime1">
               <a:rPr lang="en-US" smtClean="0"/>
-              <a:t>15/06/2015</a:t>
+              <a:t>15-Jun-15</a:t>
             </a:fld>
             <a:endParaRPr lang="en-US"/>
           </a:p>
@@ -2019,7 +2167,7 @@
           <a:p>
             <a:fld id="{8643921A-402A-48AB-BAEE-852F9B9B0F7E}" type="datetime1">
               <a:rPr lang="en-US" smtClean="0"/>
-              <a:t>15/06/2015</a:t>
+              <a:t>15-Jun-15</a:t>
             </a:fld>
             <a:endParaRPr lang="en-US"/>
           </a:p>
@@ -2195,7 +2343,7 @@
           <a:p>
             <a:fld id="{CA1CE08C-026F-4BD9-B84F-C6D4B77E740D}" type="datetime1">
               <a:rPr lang="en-US" smtClean="0"/>
-              <a:t>15/06/2015</a:t>
+              <a:t>15-Jun-15</a:t>
             </a:fld>
             <a:endParaRPr lang="en-US"/>
           </a:p>
@@ -2361,7 +2509,7 @@
           <a:p>
             <a:fld id="{92F9EC45-0F5D-4AED-BD48-802B04DDCA02}" type="datetime1">
               <a:rPr lang="en-US" smtClean="0"/>
-              <a:t>15/06/2015</a:t>
+              <a:t>15-Jun-15</a:t>
             </a:fld>
             <a:endParaRPr lang="en-US"/>
           </a:p>
@@ -2603,7 +2751,7 @@
           <a:p>
             <a:fld id="{B5BA1394-E84E-4B9F-9128-D0725CA254B0}" type="datetime1">
               <a:rPr lang="en-US" smtClean="0"/>
-              <a:t>15/06/2015</a:t>
+              <a:t>15-Jun-15</a:t>
             </a:fld>
             <a:endParaRPr lang="en-US"/>
           </a:p>
@@ -2887,7 +3035,7 @@
           <a:p>
             <a:fld id="{F7D3380D-B93E-479B-B463-98E5D24200DC}" type="datetime1">
               <a:rPr lang="en-US" smtClean="0"/>
-              <a:t>15/06/2015</a:t>
+              <a:t>15-Jun-15</a:t>
             </a:fld>
             <a:endParaRPr lang="en-US"/>
           </a:p>
@@ -3305,7 +3453,7 @@
           <a:p>
             <a:fld id="{6295D9B5-331B-4EF8-A768-FA6F9B48D031}" type="datetime1">
               <a:rPr lang="en-US" smtClean="0"/>
-              <a:t>15/06/2015</a:t>
+              <a:t>15-Jun-15</a:t>
             </a:fld>
             <a:endParaRPr lang="en-US"/>
           </a:p>
@@ -3419,7 +3567,7 @@
           <a:p>
             <a:fld id="{FD27ECF8-9A84-4F75-9AC1-2E63C49A7960}" type="datetime1">
               <a:rPr lang="en-US" smtClean="0"/>
-              <a:t>15/06/2015</a:t>
+              <a:t>15-Jun-15</a:t>
             </a:fld>
             <a:endParaRPr lang="en-US"/>
           </a:p>
@@ -3510,7 +3658,7 @@
           <a:p>
             <a:fld id="{9E3D8D00-E399-4D92-85D1-29CA4F08D160}" type="datetime1">
               <a:rPr lang="en-US" smtClean="0"/>
-              <a:t>15/06/2015</a:t>
+              <a:t>15-Jun-15</a:t>
             </a:fld>
             <a:endParaRPr lang="en-US"/>
           </a:p>
@@ -3783,7 +3931,7 @@
           <a:p>
             <a:fld id="{8D4262DB-A5E7-46F9-9321-E7339F471910}" type="datetime1">
               <a:rPr lang="en-US" smtClean="0"/>
-              <a:t>15/06/2015</a:t>
+              <a:t>15-Jun-15</a:t>
             </a:fld>
             <a:endParaRPr lang="en-US"/>
           </a:p>
@@ -4032,7 +4180,7 @@
           <a:p>
             <a:fld id="{A1B7FF65-AFCA-4005-9416-7F0863B45A83}" type="datetime1">
               <a:rPr lang="en-US" smtClean="0"/>
-              <a:t>15/06/2015</a:t>
+              <a:t>15-Jun-15</a:t>
             </a:fld>
             <a:endParaRPr lang="en-US"/>
           </a:p>
@@ -4241,7 +4389,7 @@
           <a:p>
             <a:fld id="{02839B0C-0A1A-4F29-BE6D-285F3581F013}" type="datetime1">
               <a:rPr lang="en-US" smtClean="0"/>
-              <a:t>15/06/2015</a:t>
+              <a:t>15-Jun-15</a:t>
             </a:fld>
             <a:endParaRPr lang="en-US"/>
           </a:p>
@@ -5794,7 +5942,7 @@
           <a:graphicData uri="http://schemas.openxmlformats.org/presentationml/2006/ole">
             <mc:AlternateContent xmlns:mc="http://schemas.openxmlformats.org/markup-compatibility/2006">
               <mc:Choice xmlns:v="urn:schemas-microsoft-com:vml" Requires="v">
-                <p:oleObj spid="_x0000_s2094" r:id="rId4" imgW="5505405" imgH="3343454" progId="Visio.Drawing.15">
+                <p:oleObj spid="_x0000_s2107" r:id="rId4" imgW="5505405" imgH="3343454" progId="Visio.Drawing.15">
                   <p:embed/>
                 </p:oleObj>
               </mc:Choice>
@@ -6335,13 +6483,18 @@
               <a:t> </a:t>
             </a:r>
             <a:r>
-              <a:rPr lang="en-US" sz="2800" err="1" smtClean="0"/>
+              <a:rPr lang="en-US" sz="2800" dirty="0" err="1" smtClean="0"/>
               <a:t>kiểm</a:t>
             </a:r>
             <a:r>
-              <a:rPr lang="en-US" sz="2800" smtClean="0"/>
-              <a:t> tra</a:t>
-            </a:r>
+              <a:rPr lang="en-US" sz="2800" dirty="0" smtClean="0"/>
+              <a:t> </a:t>
+            </a:r>
+            <a:r>
+              <a:rPr lang="en-US" sz="2800" dirty="0" err="1" smtClean="0"/>
+              <a:t>tra</a:t>
+            </a:r>
+            <a:endParaRPr lang="en-US" sz="2800" dirty="0" smtClean="0"/>
           </a:p>
           <a:p>
             <a:pPr marL="457200" indent="-457200">
@@ -6353,14 +6506,170 @@
               <a:defRPr/>
             </a:pPr>
             <a:r>
-              <a:rPr lang="en-US" sz="3200"/>
-              <a:t>Tập dữ liệu tiếng Việt đang được xây dựng tạm thời với 1117 mẫu trong đó có 257 mẫu đã được gán </a:t>
-            </a:r>
-            <a:r>
-              <a:rPr lang="en-US" sz="3200" smtClean="0"/>
+              <a:rPr lang="en-US" sz="3200" dirty="0" err="1"/>
+              <a:t>Tập</a:t>
+            </a:r>
+            <a:r>
+              <a:rPr lang="en-US" sz="3200" dirty="0"/>
+              <a:t> </a:t>
+            </a:r>
+            <a:r>
+              <a:rPr lang="en-US" sz="3200" dirty="0" err="1"/>
+              <a:t>dữ</a:t>
+            </a:r>
+            <a:r>
+              <a:rPr lang="en-US" sz="3200" dirty="0"/>
+              <a:t> </a:t>
+            </a:r>
+            <a:r>
+              <a:rPr lang="en-US" sz="3200" dirty="0" err="1"/>
+              <a:t>liệu</a:t>
+            </a:r>
+            <a:r>
+              <a:rPr lang="en-US" sz="3200" dirty="0"/>
+              <a:t> </a:t>
+            </a:r>
+            <a:r>
+              <a:rPr lang="en-US" sz="3200" dirty="0" err="1"/>
+              <a:t>tiếng</a:t>
+            </a:r>
+            <a:r>
+              <a:rPr lang="en-US" sz="3200" dirty="0"/>
+              <a:t> </a:t>
+            </a:r>
+            <a:r>
+              <a:rPr lang="en-US" sz="3200" dirty="0" err="1"/>
+              <a:t>Việt</a:t>
+            </a:r>
+            <a:r>
+              <a:rPr lang="en-US" sz="3200" dirty="0"/>
+              <a:t> </a:t>
+            </a:r>
+            <a:r>
+              <a:rPr lang="en-US" sz="3200" dirty="0" err="1"/>
+              <a:t>đang</a:t>
+            </a:r>
+            <a:r>
+              <a:rPr lang="en-US" sz="3200" dirty="0"/>
+              <a:t> </a:t>
+            </a:r>
+            <a:r>
+              <a:rPr lang="en-US" sz="3200" dirty="0" err="1"/>
+              <a:t>được</a:t>
+            </a:r>
+            <a:r>
+              <a:rPr lang="en-US" sz="3200" dirty="0"/>
+              <a:t> </a:t>
+            </a:r>
+            <a:r>
+              <a:rPr lang="en-US" sz="3200" dirty="0" err="1"/>
+              <a:t>xây</a:t>
+            </a:r>
+            <a:r>
+              <a:rPr lang="en-US" sz="3200" dirty="0"/>
+              <a:t> </a:t>
+            </a:r>
+            <a:r>
+              <a:rPr lang="en-US" sz="3200" dirty="0" err="1"/>
+              <a:t>dựng</a:t>
+            </a:r>
+            <a:r>
+              <a:rPr lang="en-US" sz="3200" dirty="0"/>
+              <a:t> </a:t>
+            </a:r>
+            <a:r>
+              <a:rPr lang="en-US" sz="3200" dirty="0" err="1"/>
+              <a:t>tạm</a:t>
+            </a:r>
+            <a:r>
+              <a:rPr lang="en-US" sz="3200" dirty="0"/>
+              <a:t> </a:t>
+            </a:r>
+            <a:r>
+              <a:rPr lang="en-US" sz="3200" dirty="0" err="1"/>
+              <a:t>thời</a:t>
+            </a:r>
+            <a:r>
+              <a:rPr lang="en-US" sz="3200" dirty="0"/>
+              <a:t> </a:t>
+            </a:r>
+            <a:r>
+              <a:rPr lang="en-US" sz="3200" dirty="0" err="1"/>
+              <a:t>với</a:t>
+            </a:r>
+            <a:r>
+              <a:rPr lang="en-US" sz="3200" dirty="0"/>
+              <a:t> 1117 </a:t>
+            </a:r>
+            <a:r>
+              <a:rPr lang="en-US" sz="3200" dirty="0" err="1"/>
+              <a:t>mẫu</a:t>
+            </a:r>
+            <a:r>
+              <a:rPr lang="en-US" sz="3200" dirty="0"/>
+              <a:t> </a:t>
+            </a:r>
+            <a:r>
+              <a:rPr lang="en-US" sz="3200" dirty="0" err="1"/>
+              <a:t>trong</a:t>
+            </a:r>
+            <a:r>
+              <a:rPr lang="en-US" sz="3200" dirty="0"/>
+              <a:t> </a:t>
+            </a:r>
+            <a:r>
+              <a:rPr lang="en-US" sz="3200" dirty="0" err="1"/>
+              <a:t>đó</a:t>
+            </a:r>
+            <a:r>
+              <a:rPr lang="en-US" sz="3200" dirty="0"/>
+              <a:t> </a:t>
+            </a:r>
+            <a:r>
+              <a:rPr lang="en-US" sz="3200" dirty="0" err="1"/>
+              <a:t>có</a:t>
+            </a:r>
+            <a:r>
+              <a:rPr lang="en-US" sz="3200" dirty="0"/>
+              <a:t> 257 </a:t>
+            </a:r>
+            <a:r>
+              <a:rPr lang="en-US" sz="3200" dirty="0" err="1"/>
+              <a:t>mẫu</a:t>
+            </a:r>
+            <a:r>
+              <a:rPr lang="en-US" sz="3200" dirty="0"/>
+              <a:t> </a:t>
+            </a:r>
+            <a:r>
+              <a:rPr lang="en-US" sz="3200" dirty="0" err="1"/>
+              <a:t>đã</a:t>
+            </a:r>
+            <a:r>
+              <a:rPr lang="en-US" sz="3200" dirty="0"/>
+              <a:t> </a:t>
+            </a:r>
+            <a:r>
+              <a:rPr lang="en-US" sz="3200" dirty="0" err="1"/>
+              <a:t>được</a:t>
+            </a:r>
+            <a:r>
+              <a:rPr lang="en-US" sz="3200" dirty="0"/>
+              <a:t> </a:t>
+            </a:r>
+            <a:r>
+              <a:rPr lang="en-US" sz="3200" dirty="0" err="1"/>
+              <a:t>gán</a:t>
+            </a:r>
+            <a:r>
+              <a:rPr lang="en-US" sz="3200" dirty="0"/>
+              <a:t> </a:t>
+            </a:r>
+            <a:r>
+              <a:rPr lang="en-US" sz="3200" dirty="0" err="1" smtClean="0"/>
               <a:t>nhãn</a:t>
             </a:r>
-            <a:endParaRPr lang="en-US" sz="3200"/>
+            <a:endParaRPr lang="en-US" sz="3200" dirty="0"/>
           </a:p>
         </p:txBody>
       </p:sp>
@@ -6595,16 +6904,28 @@
               <a:t>: </a:t>
             </a:r>
             <a:r>
-              <a:rPr lang="en-US" sz="3200" err="1" smtClean="0"/>
+              <a:rPr lang="en-US" sz="3200" dirty="0" err="1" smtClean="0"/>
               <a:t>độ</a:t>
             </a:r>
             <a:r>
-              <a:rPr lang="en-US" sz="3200" smtClean="0"/>
-              <a:t> chính xác (precision</a:t>
-            </a:r>
-            <a:r>
-              <a:rPr lang="en-US" sz="3200" dirty="0" smtClean="0"/>
-              <a:t>), </a:t>
+              <a:rPr lang="en-US" sz="3200" dirty="0" smtClean="0"/>
+              <a:t> </a:t>
+            </a:r>
+            <a:r>
+              <a:rPr lang="en-US" sz="3200" dirty="0" err="1" smtClean="0"/>
+              <a:t>chính</a:t>
+            </a:r>
+            <a:r>
+              <a:rPr lang="en-US" sz="3200" dirty="0" smtClean="0"/>
+              <a:t> </a:t>
+            </a:r>
+            <a:r>
+              <a:rPr lang="en-US" sz="3200" dirty="0" err="1" smtClean="0"/>
+              <a:t>xác</a:t>
+            </a:r>
+            <a:r>
+              <a:rPr lang="en-US" sz="3200" dirty="0" smtClean="0"/>
+              <a:t> (precision), </a:t>
             </a:r>
             <a:r>
               <a:rPr lang="en-US" sz="3200" dirty="0" err="1" smtClean="0"/>
@@ -6643,16 +6964,16 @@
               <a:t>độ</a:t>
             </a:r>
             <a:r>
-              <a:rPr lang="en-US" sz="3200" dirty="0" smtClean="0"/>
-              <a:t> </a:t>
-            </a:r>
-            <a:r>
-              <a:rPr lang="en-US" sz="3200" dirty="0" err="1" smtClean="0"/>
-              <a:t>đo</a:t>
-            </a:r>
-            <a:r>
-              <a:rPr lang="en-US" sz="3200" dirty="0" smtClean="0"/>
-              <a:t> F (F-measure)</a:t>
+              <a:rPr lang="en-US" sz="3200" dirty="0"/>
+              <a:t> </a:t>
+            </a:r>
+            <a:r>
+              <a:rPr lang="en-US" sz="3200" dirty="0" smtClean="0"/>
+              <a:t>F </a:t>
+            </a:r>
+            <a:r>
+              <a:rPr lang="en-US" sz="3200" dirty="0" smtClean="0"/>
+              <a:t>(F-measure)</a:t>
             </a:r>
           </a:p>
           <a:p>
@@ -6750,15 +7071,7 @@
             </a:r>
             <a:r>
               <a:rPr lang="en-US" sz="3200" dirty="0" smtClean="0"/>
-              <a:t> MUC</a:t>
-            </a:r>
-            <a:r>
-              <a:rPr lang="en-US" sz="3200" smtClean="0"/>
-              <a:t>, B-CUBED, </a:t>
-            </a:r>
-            <a:r>
-              <a:rPr lang="en-US" sz="3200" dirty="0" smtClean="0"/>
-              <a:t>CEAF</a:t>
+              <a:t> MUC, B-CUBED, CEAF</a:t>
             </a:r>
           </a:p>
           <a:p>
@@ -7476,19 +7789,19 @@
               <a:t> </a:t>
             </a:r>
             <a:r>
-              <a:rPr lang="en-US" sz="3200" err="1" smtClean="0"/>
+              <a:rPr lang="en-US" sz="3200" dirty="0" err="1" smtClean="0"/>
               <a:t>của</a:t>
             </a:r>
             <a:r>
-              <a:rPr lang="en-US" sz="3200" smtClean="0"/>
-              <a:t> </a:t>
-            </a:r>
-            <a:r>
-              <a:rPr lang="en-US" sz="3200" smtClean="0"/>
+              <a:rPr lang="en-US" sz="3200" dirty="0" smtClean="0"/>
+              <a:t> </a:t>
+            </a:r>
+            <a:r>
+              <a:rPr lang="en-US" sz="3200" dirty="0" err="1" smtClean="0"/>
               <a:t>một</a:t>
             </a:r>
             <a:r>
-              <a:rPr lang="en-US" sz="3200" smtClean="0"/>
+              <a:rPr lang="en-US" sz="3200" dirty="0" smtClean="0"/>
               <a:t> </a:t>
             </a:r>
             <a:r>
@@ -7548,13 +7861,18 @@
               <a:t> </a:t>
             </a:r>
             <a:r>
-              <a:rPr lang="en-US" sz="3200" err="1" smtClean="0"/>
+              <a:rPr lang="en-US" sz="3200" dirty="0" err="1" smtClean="0"/>
               <a:t>chữa</a:t>
             </a:r>
             <a:r>
-              <a:rPr lang="en-US" sz="3200" smtClean="0"/>
-              <a:t> bệnh</a:t>
-            </a:r>
+              <a:rPr lang="en-US" sz="3200" dirty="0" smtClean="0"/>
+              <a:t> </a:t>
+            </a:r>
+            <a:r>
+              <a:rPr lang="en-US" sz="3200" dirty="0" err="1" smtClean="0"/>
+              <a:t>bệnh</a:t>
+            </a:r>
+            <a:endParaRPr lang="en-US" sz="3200" dirty="0" smtClean="0"/>
           </a:p>
           <a:p>
             <a:pPr marL="914400" lvl="1" indent="-457200">
@@ -7566,9 +7884,26 @@
               <a:defRPr/>
             </a:pPr>
             <a:r>
-              <a:rPr lang="en-US" sz="2800" smtClean="0"/>
-              <a:t>Phiếu điều trị</a:t>
-            </a:r>
+              <a:rPr lang="en-US" sz="2800" dirty="0" err="1" smtClean="0"/>
+              <a:t>Phiếu</a:t>
+            </a:r>
+            <a:r>
+              <a:rPr lang="en-US" sz="2800" dirty="0" smtClean="0"/>
+              <a:t> </a:t>
+            </a:r>
+            <a:r>
+              <a:rPr lang="en-US" sz="2800" dirty="0" err="1" smtClean="0"/>
+              <a:t>điều</a:t>
+            </a:r>
+            <a:r>
+              <a:rPr lang="en-US" sz="2800" dirty="0" smtClean="0"/>
+              <a:t> </a:t>
+            </a:r>
+            <a:r>
+              <a:rPr lang="en-US" sz="2800" dirty="0" err="1" smtClean="0"/>
+              <a:t>trị</a:t>
+            </a:r>
+            <a:endParaRPr lang="en-US" sz="2800" dirty="0" smtClean="0"/>
           </a:p>
           <a:p>
             <a:pPr marL="914400" lvl="1" indent="-457200">
@@ -7580,9 +7915,26 @@
               <a:defRPr/>
             </a:pPr>
             <a:r>
-              <a:rPr lang="en-US" sz="2800" smtClean="0"/>
-              <a:t>Phiếu chăm sóc</a:t>
-            </a:r>
+              <a:rPr lang="en-US" sz="2800" dirty="0" err="1" smtClean="0"/>
+              <a:t>Phiếu</a:t>
+            </a:r>
+            <a:r>
+              <a:rPr lang="en-US" sz="2800" dirty="0" smtClean="0"/>
+              <a:t> </a:t>
+            </a:r>
+            <a:r>
+              <a:rPr lang="en-US" sz="2800" dirty="0" err="1" smtClean="0"/>
+              <a:t>chăm</a:t>
+            </a:r>
+            <a:r>
+              <a:rPr lang="en-US" sz="2800" dirty="0" smtClean="0"/>
+              <a:t> </a:t>
+            </a:r>
+            <a:r>
+              <a:rPr lang="en-US" sz="2800" dirty="0" err="1" smtClean="0"/>
+              <a:t>sóc</a:t>
+            </a:r>
+            <a:endParaRPr lang="en-US" sz="2800" dirty="0" smtClean="0"/>
           </a:p>
           <a:p>
             <a:pPr marL="914400" lvl="1" indent="-457200">
@@ -7594,8 +7946,32 @@
               <a:defRPr/>
             </a:pPr>
             <a:r>
-              <a:rPr lang="en-US" sz="2800" smtClean="0"/>
-              <a:t>Hồ sơ xuất viện</a:t>
+              <a:rPr lang="en-US" sz="2800" dirty="0" err="1" smtClean="0"/>
+              <a:t>Hồ</a:t>
+            </a:r>
+            <a:r>
+              <a:rPr lang="en-US" sz="2800" dirty="0" smtClean="0"/>
+              <a:t> </a:t>
+            </a:r>
+            <a:r>
+              <a:rPr lang="en-US" sz="2800" dirty="0" err="1" smtClean="0"/>
+              <a:t>sơ</a:t>
+            </a:r>
+            <a:r>
+              <a:rPr lang="en-US" sz="2800" dirty="0" smtClean="0"/>
+              <a:t> </a:t>
+            </a:r>
+            <a:r>
+              <a:rPr lang="en-US" sz="2800" dirty="0" err="1" smtClean="0"/>
+              <a:t>xuất</a:t>
+            </a:r>
+            <a:r>
+              <a:rPr lang="en-US" sz="2800" dirty="0" smtClean="0"/>
+              <a:t> </a:t>
+            </a:r>
+            <a:r>
+              <a:rPr lang="en-US" sz="2800" dirty="0" err="1" smtClean="0"/>
+              <a:t>viện</a:t>
             </a:r>
             <a:endParaRPr lang="en-US" sz="2800" dirty="0" smtClean="0"/>
           </a:p>
@@ -8243,31 +8619,35 @@
               <a:t>PGĐTC </a:t>
             </a:r>
             <a:r>
-              <a:rPr lang="en-US" sz="3200" err="1" smtClean="0"/>
+              <a:rPr lang="en-US" sz="3200" dirty="0" err="1" smtClean="0"/>
               <a:t>là</a:t>
             </a:r>
             <a:r>
-              <a:rPr lang="en-US" sz="3200" smtClean="0"/>
-              <a:t> </a:t>
-            </a:r>
-            <a:r>
-              <a:rPr lang="en-US" sz="3200" smtClean="0"/>
-              <a:t>xác </a:t>
-            </a:r>
-            <a:r>
-              <a:rPr lang="en-US" sz="3200" err="1" smtClean="0"/>
+              <a:rPr lang="en-US" sz="3200" dirty="0" smtClean="0"/>
+              <a:t> </a:t>
+            </a:r>
+            <a:r>
+              <a:rPr lang="en-US" sz="3200" dirty="0" err="1" smtClean="0"/>
+              <a:t>xác</a:t>
+            </a:r>
+            <a:r>
+              <a:rPr lang="en-US" sz="3200" dirty="0" smtClean="0"/>
+              <a:t> </a:t>
+            </a:r>
+            <a:r>
+              <a:rPr lang="en-US" sz="3200" dirty="0" err="1" smtClean="0"/>
               <a:t>định</a:t>
             </a:r>
             <a:r>
-              <a:rPr lang="en-US" sz="3200" smtClean="0"/>
-              <a:t> </a:t>
-            </a:r>
-            <a:r>
-              <a:rPr lang="en-US" sz="3200" smtClean="0"/>
+              <a:rPr lang="en-US" sz="3200" dirty="0" smtClean="0"/>
+              <a:t> </a:t>
+            </a:r>
+            <a:r>
+              <a:rPr lang="en-US" sz="3200" dirty="0" err="1" smtClean="0"/>
               <a:t>hai</a:t>
             </a:r>
             <a:r>
-              <a:rPr lang="en-US" sz="3200" smtClean="0"/>
+              <a:rPr lang="en-US" sz="3200" dirty="0" smtClean="0"/>
               <a:t> </a:t>
             </a:r>
             <a:r>
@@ -8319,32 +8699,36 @@
               <a:t> </a:t>
             </a:r>
             <a:r>
-              <a:rPr lang="en-US" sz="3200" err="1" smtClean="0"/>
+              <a:rPr lang="en-US" sz="3200" dirty="0" err="1" smtClean="0"/>
               <a:t>cùng</a:t>
             </a:r>
             <a:r>
-              <a:rPr lang="en-US" sz="3200" smtClean="0"/>
-              <a:t> </a:t>
-            </a:r>
-            <a:r>
-              <a:rPr lang="en-US" sz="3200" smtClean="0"/>
+              <a:rPr lang="en-US" sz="3200" dirty="0" smtClean="0"/>
+              <a:t> </a:t>
+            </a:r>
+            <a:r>
+              <a:rPr lang="en-US" sz="3200" dirty="0" err="1" smtClean="0"/>
               <a:t>chỉ</a:t>
             </a:r>
             <a:r>
-              <a:rPr lang="en-US" sz="3200" smtClean="0"/>
-              <a:t> </a:t>
-            </a:r>
-            <a:r>
-              <a:rPr lang="en-US" sz="3200" err="1" smtClean="0"/>
+              <a:rPr lang="en-US" sz="3200" dirty="0" smtClean="0"/>
+              <a:t> </a:t>
+            </a:r>
+            <a:r>
+              <a:rPr lang="en-US" sz="3200" dirty="0" err="1" smtClean="0"/>
               <a:t>tới</a:t>
             </a:r>
             <a:r>
-              <a:rPr lang="en-US" sz="3200" smtClean="0"/>
-              <a:t> </a:t>
-            </a:r>
-            <a:r>
-              <a:rPr lang="en-US" sz="3200" smtClean="0"/>
-              <a:t>một </a:t>
+              <a:rPr lang="en-US" sz="3200" dirty="0" smtClean="0"/>
+              <a:t> </a:t>
+            </a:r>
+            <a:r>
+              <a:rPr lang="en-US" sz="3200" dirty="0" err="1" smtClean="0"/>
+              <a:t>một</a:t>
+            </a:r>
+            <a:r>
+              <a:rPr lang="en-US" sz="3200" dirty="0" smtClean="0"/>
+              <a:t> </a:t>
             </a:r>
             <a:r>
               <a:rPr lang="en-US" sz="3200" dirty="0" err="1" smtClean="0"/>
@@ -8455,8 +8839,53 @@
             </a:r>
             <a:r>
               <a:rPr lang="en-US" sz="3200" dirty="0" smtClean="0"/>
-              <a:t>BADT</a:t>
-            </a:r>
+              <a:t>BADT </a:t>
+            </a:r>
+            <a:r>
+              <a:rPr lang="en-US" sz="3200" dirty="0" err="1" smtClean="0"/>
+              <a:t>nhưng</a:t>
+            </a:r>
+            <a:r>
+              <a:rPr lang="en-US" sz="3200" dirty="0" smtClean="0"/>
+              <a:t> </a:t>
+            </a:r>
+            <a:r>
+              <a:rPr lang="en-US" sz="3200" dirty="0" err="1" smtClean="0"/>
+              <a:t>chưa</a:t>
+            </a:r>
+            <a:r>
+              <a:rPr lang="en-US" sz="3200" dirty="0" smtClean="0"/>
+              <a:t> </a:t>
+            </a:r>
+            <a:r>
+              <a:rPr lang="en-US" sz="3200" dirty="0" err="1" smtClean="0"/>
+              <a:t>được</a:t>
+            </a:r>
+            <a:r>
+              <a:rPr lang="en-US" sz="3200" dirty="0" smtClean="0"/>
+              <a:t> </a:t>
+            </a:r>
+            <a:r>
+              <a:rPr lang="en-US" sz="3200" dirty="0" err="1" smtClean="0"/>
+              <a:t>nghiên</a:t>
+            </a:r>
+            <a:r>
+              <a:rPr lang="en-US" sz="3200" dirty="0" smtClean="0"/>
+              <a:t> </a:t>
+            </a:r>
+            <a:r>
+              <a:rPr lang="en-US" sz="3200" dirty="0" err="1" smtClean="0"/>
+              <a:t>cứu</a:t>
+            </a:r>
+            <a:r>
+              <a:rPr lang="en-US" sz="3200" dirty="0" smtClean="0"/>
+              <a:t> </a:t>
+            </a:r>
+            <a:r>
+              <a:rPr lang="en-US" sz="3200" dirty="0" err="1" smtClean="0"/>
+              <a:t>nhiều</a:t>
+            </a:r>
+            <a:endParaRPr lang="en-US" sz="3200" dirty="0" smtClean="0"/>
           </a:p>
         </p:txBody>
       </p:sp>
@@ -8674,6 +9103,88 @@
           </a:bodyPr>
           <a:lstStyle/>
           <a:p>
+            <a:pPr marL="457200" indent="-457200">
+              <a:spcBef>
+                <a:spcPct val="20000"/>
+              </a:spcBef>
+              <a:buFont typeface="Arial" panose="020B0604020202020204" pitchFamily="34" charset="0"/>
+              <a:buChar char="•"/>
+              <a:defRPr/>
+            </a:pPr>
+            <a:r>
+              <a:rPr lang="en-US" sz="3200" dirty="0" err="1"/>
+              <a:t>Bài</a:t>
+            </a:r>
+            <a:r>
+              <a:rPr lang="en-US" sz="3200" dirty="0"/>
+              <a:t> </a:t>
+            </a:r>
+            <a:r>
+              <a:rPr lang="en-US" sz="3200" dirty="0" err="1"/>
+              <a:t>toán</a:t>
+            </a:r>
+            <a:r>
+              <a:rPr lang="en-US" sz="3200" dirty="0"/>
+              <a:t> </a:t>
+            </a:r>
+            <a:r>
+              <a:rPr lang="en-US" sz="3200" dirty="0" err="1"/>
+              <a:t>nhóm</a:t>
+            </a:r>
+            <a:r>
+              <a:rPr lang="en-US" sz="3200" dirty="0"/>
+              <a:t> </a:t>
+            </a:r>
+            <a:r>
+              <a:rPr lang="en-US" sz="3200" dirty="0" err="1"/>
+              <a:t>đề</a:t>
+            </a:r>
+            <a:r>
+              <a:rPr lang="en-US" sz="3200" dirty="0"/>
+              <a:t> </a:t>
+            </a:r>
+            <a:r>
+              <a:rPr lang="en-US" sz="3200" dirty="0" err="1"/>
+              <a:t>xuất</a:t>
+            </a:r>
+            <a:r>
+              <a:rPr lang="en-US" sz="3200" dirty="0"/>
+              <a:t> </a:t>
+            </a:r>
+            <a:r>
+              <a:rPr lang="en-US" sz="3200" dirty="0" err="1"/>
+              <a:t>giải</a:t>
+            </a:r>
+            <a:r>
+              <a:rPr lang="en-US" sz="3200" dirty="0"/>
+              <a:t> </a:t>
+            </a:r>
+            <a:r>
+              <a:rPr lang="en-US" sz="3200" dirty="0" err="1"/>
+              <a:t>quyết</a:t>
+            </a:r>
+            <a:r>
+              <a:rPr lang="en-US" sz="3200" dirty="0"/>
+              <a:t> </a:t>
+            </a:r>
+            <a:r>
+              <a:rPr lang="en-US" sz="3200" dirty="0" err="1" smtClean="0"/>
+              <a:t>là</a:t>
+            </a:r>
+            <a:endParaRPr lang="en-US" sz="3200" dirty="0"/>
+          </a:p>
+          <a:p>
+            <a:pPr marL="457200" indent="-457200">
+              <a:spcBef>
+                <a:spcPct val="20000"/>
+              </a:spcBef>
+              <a:buFont typeface="Arial" panose="020B0604020202020204" pitchFamily="34" charset="0"/>
+              <a:buChar char="•"/>
+              <a:defRPr/>
+            </a:pPr>
+            <a:endParaRPr lang="en-US" sz="3200" dirty="0"/>
+          </a:p>
+          <a:p>
             <a:pPr>
               <a:spcBef>
                 <a:spcPct val="20000"/>
@@ -8681,66 +9192,217 @@
               <a:defRPr/>
             </a:pPr>
             <a:r>
-              <a:rPr lang="en-US" sz="3200" dirty="0" err="1"/>
-              <a:t>Bài</a:t>
-            </a:r>
-            <a:r>
-              <a:rPr lang="en-US" sz="3200" dirty="0"/>
-              <a:t> </a:t>
-            </a:r>
-            <a:r>
-              <a:rPr lang="en-US" sz="3200" dirty="0" err="1"/>
-              <a:t>toán</a:t>
-            </a:r>
-            <a:r>
-              <a:rPr lang="en-US" sz="3200" dirty="0"/>
-              <a:t> </a:t>
-            </a:r>
-            <a:r>
-              <a:rPr lang="en-US" sz="3200" dirty="0" err="1"/>
-              <a:t>nhóm</a:t>
-            </a:r>
-            <a:r>
-              <a:rPr lang="en-US" sz="3200" dirty="0"/>
-              <a:t> </a:t>
-            </a:r>
-            <a:r>
-              <a:rPr lang="en-US" sz="3200" dirty="0" err="1"/>
-              <a:t>đề</a:t>
-            </a:r>
-            <a:r>
-              <a:rPr lang="en-US" sz="3200" dirty="0"/>
-              <a:t> </a:t>
-            </a:r>
-            <a:r>
-              <a:rPr lang="en-US" sz="3200" dirty="0" err="1"/>
+              <a:rPr lang="en-US" sz="3200" b="1" dirty="0"/>
+              <a:t>“</a:t>
+            </a:r>
+            <a:r>
+              <a:rPr lang="en-US" sz="3200" b="1" dirty="0" err="1"/>
+              <a:t>Phân</a:t>
+            </a:r>
+            <a:r>
+              <a:rPr lang="en-US" sz="3200" b="1" dirty="0"/>
+              <a:t> </a:t>
+            </a:r>
+            <a:r>
+              <a:rPr lang="en-US" sz="3200" b="1" dirty="0" err="1"/>
+              <a:t>giải</a:t>
+            </a:r>
+            <a:r>
+              <a:rPr lang="en-US" sz="3200" b="1" dirty="0"/>
+              <a:t> </a:t>
+            </a:r>
+            <a:r>
+              <a:rPr lang="en-US" sz="3200" b="1" dirty="0" err="1"/>
+              <a:t>đồng</a:t>
+            </a:r>
+            <a:r>
+              <a:rPr lang="en-US" sz="3200" b="1" dirty="0"/>
+              <a:t> </a:t>
+            </a:r>
+            <a:r>
+              <a:rPr lang="en-US" sz="3200" b="1" dirty="0" err="1"/>
+              <a:t>tham</a:t>
+            </a:r>
+            <a:r>
+              <a:rPr lang="en-US" sz="3200" b="1" dirty="0"/>
+              <a:t> </a:t>
+            </a:r>
+            <a:r>
+              <a:rPr lang="en-US" sz="3200" b="1" dirty="0" err="1"/>
+              <a:t>chiếu</a:t>
+            </a:r>
+            <a:r>
+              <a:rPr lang="en-US" sz="3200" b="1" dirty="0"/>
+              <a:t> </a:t>
+            </a:r>
+            <a:r>
+              <a:rPr lang="en-US" sz="3200" b="1" dirty="0" err="1" smtClean="0"/>
+              <a:t>cho</a:t>
+            </a:r>
+            <a:r>
+              <a:rPr lang="en-US" sz="3200" b="1" dirty="0" smtClean="0"/>
+              <a:t> </a:t>
+            </a:r>
+            <a:r>
+              <a:rPr lang="en-US" sz="3200" b="1" dirty="0" err="1"/>
+              <a:t>bệnh</a:t>
+            </a:r>
+            <a:r>
+              <a:rPr lang="en-US" sz="3200" b="1" dirty="0"/>
+              <a:t> </a:t>
+            </a:r>
+            <a:r>
+              <a:rPr lang="en-US" sz="3200" b="1" dirty="0" err="1"/>
+              <a:t>án</a:t>
+            </a:r>
+            <a:r>
+              <a:rPr lang="en-US" sz="3200" b="1" dirty="0"/>
+              <a:t> </a:t>
+            </a:r>
+            <a:r>
+              <a:rPr lang="en-US" sz="3200" b="1" dirty="0" err="1"/>
+              <a:t>điện</a:t>
+            </a:r>
+            <a:r>
+              <a:rPr lang="en-US" sz="3200" b="1" dirty="0"/>
+              <a:t> </a:t>
+            </a:r>
+            <a:r>
+              <a:rPr lang="en-US" sz="3200" b="1" dirty="0" err="1"/>
+              <a:t>tử</a:t>
+            </a:r>
+            <a:r>
+              <a:rPr lang="en-US" sz="3200" b="1" dirty="0"/>
+              <a:t> </a:t>
+            </a:r>
+            <a:r>
+              <a:rPr lang="en-US" sz="3200" b="1" dirty="0" err="1"/>
+              <a:t>với</a:t>
+            </a:r>
+            <a:r>
+              <a:rPr lang="en-US" sz="3200" b="1" dirty="0"/>
+              <a:t> </a:t>
+            </a:r>
+            <a:r>
+              <a:rPr lang="en-US" sz="3200" b="1" dirty="0" err="1"/>
+              <a:t>các</a:t>
+            </a:r>
+            <a:r>
+              <a:rPr lang="en-US" sz="3200" b="1" dirty="0"/>
+              <a:t> </a:t>
+            </a:r>
+            <a:r>
+              <a:rPr lang="en-US" sz="3200" b="1" dirty="0" err="1"/>
+              <a:t>khái</a:t>
+            </a:r>
+            <a:r>
+              <a:rPr lang="en-US" sz="3200" b="1" dirty="0"/>
+              <a:t> </a:t>
+            </a:r>
+            <a:r>
+              <a:rPr lang="en-US" sz="3200" b="1" dirty="0" err="1"/>
+              <a:t>niệm</a:t>
+            </a:r>
+            <a:r>
+              <a:rPr lang="en-US" sz="3200" b="1" dirty="0"/>
+              <a:t> </a:t>
+            </a:r>
+            <a:r>
+              <a:rPr lang="en-US" sz="3200" b="1" dirty="0" err="1"/>
+              <a:t>đã</a:t>
+            </a:r>
+            <a:r>
+              <a:rPr lang="en-US" sz="3200" b="1" dirty="0"/>
+              <a:t> </a:t>
+            </a:r>
+            <a:r>
+              <a:rPr lang="en-US" sz="3200" b="1" dirty="0" err="1"/>
+              <a:t>được</a:t>
+            </a:r>
+            <a:r>
+              <a:rPr lang="en-US" sz="3200" b="1" dirty="0"/>
+              <a:t> </a:t>
+            </a:r>
+            <a:r>
+              <a:rPr lang="en-US" sz="3200" b="1" dirty="0" err="1"/>
+              <a:t>trích</a:t>
+            </a:r>
+            <a:r>
+              <a:rPr lang="en-US" sz="3200" b="1" dirty="0"/>
+              <a:t> </a:t>
+            </a:r>
+            <a:r>
+              <a:rPr lang="en-US" sz="3200" b="1" dirty="0" err="1"/>
               <a:t>xuất</a:t>
             </a:r>
             <a:r>
-              <a:rPr lang="en-US" sz="3200" dirty="0"/>
-              <a:t> </a:t>
-            </a:r>
-            <a:r>
-              <a:rPr lang="en-US" sz="3200" dirty="0" err="1"/>
-              <a:t>giải</a:t>
-            </a:r>
-            <a:r>
-              <a:rPr lang="en-US" sz="3200" dirty="0"/>
-              <a:t> </a:t>
-            </a:r>
-            <a:r>
-              <a:rPr lang="en-US" sz="3200" err="1"/>
-              <a:t>quyết</a:t>
-            </a:r>
-            <a:r>
-              <a:rPr lang="en-US" sz="3200"/>
-              <a:t> </a:t>
-            </a:r>
-            <a:r>
-              <a:rPr lang="en-US" sz="3200" smtClean="0"/>
-              <a:t>là</a:t>
-            </a:r>
-            <a:endParaRPr lang="en-US" sz="3200" dirty="0"/>
+              <a:rPr lang="en-US" sz="3200" b="1" dirty="0"/>
+              <a:t> </a:t>
+            </a:r>
+            <a:r>
+              <a:rPr lang="en-US" sz="3200" b="1" dirty="0" err="1"/>
+              <a:t>và</a:t>
+            </a:r>
+            <a:r>
+              <a:rPr lang="en-US" sz="3200" b="1" dirty="0"/>
+              <a:t> </a:t>
+            </a:r>
+            <a:r>
+              <a:rPr lang="en-US" sz="3200" b="1" dirty="0" err="1"/>
+              <a:t>gán</a:t>
+            </a:r>
+            <a:r>
+              <a:rPr lang="en-US" sz="3200" b="1" dirty="0"/>
+              <a:t> </a:t>
+            </a:r>
+            <a:r>
+              <a:rPr lang="en-US" sz="3200" b="1" dirty="0" err="1"/>
+              <a:t>nhãn</a:t>
+            </a:r>
+            <a:r>
+              <a:rPr lang="en-US" sz="3200" b="1" dirty="0"/>
+              <a:t> </a:t>
+            </a:r>
+            <a:r>
+              <a:rPr lang="en-US" sz="3200" b="1" dirty="0" err="1" smtClean="0"/>
+              <a:t>trên</a:t>
+            </a:r>
+            <a:r>
+              <a:rPr lang="en-US" sz="3200" b="1" dirty="0" smtClean="0"/>
+              <a:t> </a:t>
+            </a:r>
+            <a:r>
+              <a:rPr lang="en-US" sz="3200" b="1" dirty="0" err="1" smtClean="0"/>
+              <a:t>dữ</a:t>
+            </a:r>
+            <a:r>
+              <a:rPr lang="en-US" sz="3200" b="1" dirty="0" smtClean="0"/>
+              <a:t> </a:t>
+            </a:r>
+            <a:r>
+              <a:rPr lang="en-US" sz="3200" b="1" dirty="0" err="1"/>
+              <a:t>liệu</a:t>
+            </a:r>
+            <a:r>
+              <a:rPr lang="en-US" sz="3200" b="1" dirty="0"/>
+              <a:t> </a:t>
+            </a:r>
+            <a:r>
+              <a:rPr lang="en-US" sz="3200" b="1" dirty="0" err="1"/>
+              <a:t>tiếng</a:t>
+            </a:r>
+            <a:r>
+              <a:rPr lang="en-US" sz="3200" b="1" dirty="0"/>
+              <a:t> </a:t>
+            </a:r>
+            <a:r>
+              <a:rPr lang="en-US" sz="3200" b="1" dirty="0" err="1"/>
+              <a:t>Anh</a:t>
+            </a:r>
+            <a:r>
+              <a:rPr lang="en-US" sz="3200" b="1" dirty="0" smtClean="0"/>
+              <a:t>”</a:t>
+            </a:r>
           </a:p>
           <a:p>
             <a:pPr>
@@ -8749,227 +9411,110 @@
               </a:spcBef>
               <a:defRPr/>
             </a:pPr>
-            <a:endParaRPr lang="en-US" sz="3200" dirty="0"/>
-          </a:p>
-          <a:p>
-            <a:pPr>
+            <a:endParaRPr lang="en-US" sz="3200" b="1" dirty="0"/>
+          </a:p>
+          <a:p>
+            <a:pPr marL="457200" indent="-457200">
               <a:spcBef>
                 <a:spcPct val="20000"/>
               </a:spcBef>
+              <a:buFont typeface="Arial" panose="020B0604020202020204" pitchFamily="34" charset="0"/>
+              <a:buChar char="•"/>
               <a:defRPr/>
             </a:pPr>
             <a:r>
-              <a:rPr lang="en-US" sz="3200" b="1" dirty="0"/>
-              <a:t>“</a:t>
-            </a:r>
-            <a:r>
-              <a:rPr lang="en-US" sz="3200" b="1" dirty="0" err="1"/>
-              <a:t>Phân</a:t>
-            </a:r>
-            <a:r>
-              <a:rPr lang="en-US" sz="3200" b="1" dirty="0"/>
-              <a:t> </a:t>
-            </a:r>
-            <a:r>
-              <a:rPr lang="en-US" sz="3200" b="1" dirty="0" err="1"/>
-              <a:t>giải</a:t>
-            </a:r>
-            <a:r>
-              <a:rPr lang="en-US" sz="3200" b="1" dirty="0"/>
-              <a:t> </a:t>
-            </a:r>
-            <a:r>
-              <a:rPr lang="en-US" sz="3200" b="1" dirty="0" err="1"/>
-              <a:t>đồng</a:t>
-            </a:r>
-            <a:r>
-              <a:rPr lang="en-US" sz="3200" b="1" dirty="0"/>
-              <a:t> </a:t>
-            </a:r>
-            <a:r>
-              <a:rPr lang="en-US" sz="3200" b="1" dirty="0" err="1"/>
-              <a:t>tham</a:t>
-            </a:r>
-            <a:r>
-              <a:rPr lang="en-US" sz="3200" b="1" dirty="0"/>
-              <a:t> </a:t>
-            </a:r>
-            <a:r>
-              <a:rPr lang="en-US" sz="3200" b="1" dirty="0" err="1"/>
-              <a:t>chiếu</a:t>
-            </a:r>
-            <a:r>
-              <a:rPr lang="en-US" sz="3200" b="1" dirty="0"/>
-              <a:t> </a:t>
-            </a:r>
-            <a:r>
-              <a:rPr lang="en-US" sz="3200" b="1" dirty="0" err="1"/>
-              <a:t>trên</a:t>
-            </a:r>
-            <a:r>
-              <a:rPr lang="en-US" sz="3200" b="1" dirty="0"/>
-              <a:t> </a:t>
-            </a:r>
-            <a:r>
-              <a:rPr lang="en-US" sz="3200" b="1" dirty="0" err="1"/>
-              <a:t>bệnh</a:t>
-            </a:r>
-            <a:r>
-              <a:rPr lang="en-US" sz="3200" b="1" dirty="0"/>
-              <a:t> </a:t>
-            </a:r>
-            <a:r>
-              <a:rPr lang="en-US" sz="3200" b="1" dirty="0" err="1"/>
-              <a:t>án</a:t>
-            </a:r>
-            <a:r>
-              <a:rPr lang="en-US" sz="3200" b="1" dirty="0"/>
-              <a:t> </a:t>
-            </a:r>
-            <a:r>
-              <a:rPr lang="en-US" sz="3200" b="1" dirty="0" err="1"/>
-              <a:t>điện</a:t>
-            </a:r>
-            <a:r>
-              <a:rPr lang="en-US" sz="3200" b="1" dirty="0"/>
-              <a:t> </a:t>
-            </a:r>
-            <a:r>
-              <a:rPr lang="en-US" sz="3200" b="1" dirty="0" err="1"/>
-              <a:t>tử</a:t>
-            </a:r>
-            <a:r>
-              <a:rPr lang="en-US" sz="3200" b="1" dirty="0"/>
-              <a:t> </a:t>
-            </a:r>
-            <a:r>
-              <a:rPr lang="en-US" sz="3200" b="1" dirty="0" err="1"/>
-              <a:t>với</a:t>
-            </a:r>
-            <a:r>
-              <a:rPr lang="en-US" sz="3200" b="1" dirty="0"/>
-              <a:t> </a:t>
-            </a:r>
-            <a:r>
-              <a:rPr lang="en-US" sz="3200" b="1" dirty="0" err="1"/>
-              <a:t>các</a:t>
-            </a:r>
-            <a:r>
-              <a:rPr lang="en-US" sz="3200" b="1" dirty="0"/>
-              <a:t> </a:t>
-            </a:r>
-            <a:r>
-              <a:rPr lang="en-US" sz="3200" b="1" dirty="0" err="1"/>
-              <a:t>khái</a:t>
-            </a:r>
-            <a:r>
-              <a:rPr lang="en-US" sz="3200" b="1" dirty="0"/>
-              <a:t> </a:t>
-            </a:r>
-            <a:r>
-              <a:rPr lang="en-US" sz="3200" b="1" dirty="0" err="1"/>
-              <a:t>niệm</a:t>
-            </a:r>
-            <a:r>
-              <a:rPr lang="en-US" sz="3200" b="1" dirty="0"/>
-              <a:t> </a:t>
-            </a:r>
-            <a:r>
-              <a:rPr lang="en-US" sz="3200" b="1" dirty="0" err="1"/>
-              <a:t>đã</a:t>
-            </a:r>
-            <a:r>
-              <a:rPr lang="en-US" sz="3200" b="1" dirty="0"/>
-              <a:t> </a:t>
-            </a:r>
-            <a:r>
-              <a:rPr lang="en-US" sz="3200" b="1" dirty="0" err="1"/>
-              <a:t>được</a:t>
-            </a:r>
-            <a:r>
-              <a:rPr lang="en-US" sz="3200" b="1" dirty="0"/>
-              <a:t> </a:t>
-            </a:r>
-            <a:r>
-              <a:rPr lang="en-US" sz="3200" b="1" dirty="0" err="1"/>
-              <a:t>trích</a:t>
-            </a:r>
-            <a:r>
-              <a:rPr lang="en-US" sz="3200" b="1" dirty="0"/>
-              <a:t> </a:t>
-            </a:r>
-            <a:r>
-              <a:rPr lang="en-US" sz="3200" b="1" dirty="0" err="1"/>
-              <a:t>xuất</a:t>
-            </a:r>
-            <a:r>
-              <a:rPr lang="en-US" sz="3200" b="1" dirty="0"/>
-              <a:t> </a:t>
-            </a:r>
-            <a:r>
-              <a:rPr lang="en-US" sz="3200" b="1" dirty="0" err="1"/>
-              <a:t>và</a:t>
-            </a:r>
-            <a:r>
-              <a:rPr lang="en-US" sz="3200" b="1" dirty="0"/>
-              <a:t> </a:t>
-            </a:r>
-            <a:r>
-              <a:rPr lang="en-US" sz="3200" b="1" dirty="0" err="1"/>
-              <a:t>gán</a:t>
-            </a:r>
-            <a:r>
-              <a:rPr lang="en-US" sz="3200" b="1" dirty="0"/>
-              <a:t> </a:t>
-            </a:r>
-            <a:r>
-              <a:rPr lang="en-US" sz="3200" b="1" dirty="0" err="1"/>
-              <a:t>nhãn</a:t>
-            </a:r>
-            <a:r>
-              <a:rPr lang="en-US" sz="3200" b="1" dirty="0"/>
-              <a:t> </a:t>
-            </a:r>
-            <a:r>
-              <a:rPr lang="en-US" sz="3200" b="1" dirty="0" err="1"/>
+              <a:rPr lang="en-US" sz="3200" dirty="0" err="1" smtClean="0"/>
+              <a:t>Làm</a:t>
+            </a:r>
+            <a:r>
+              <a:rPr lang="en-US" sz="3200" dirty="0" smtClean="0"/>
+              <a:t> </a:t>
+            </a:r>
+            <a:r>
+              <a:rPr lang="en-US" sz="3200" dirty="0" err="1" smtClean="0"/>
+              <a:t>nền</a:t>
+            </a:r>
+            <a:r>
+              <a:rPr lang="en-US" sz="3200" dirty="0" smtClean="0"/>
+              <a:t> </a:t>
+            </a:r>
+            <a:r>
+              <a:rPr lang="en-US" sz="3200" dirty="0" err="1" smtClean="0"/>
+              <a:t>tảng</a:t>
+            </a:r>
+            <a:r>
+              <a:rPr lang="en-US" sz="3200" dirty="0" smtClean="0"/>
+              <a:t> </a:t>
+            </a:r>
+            <a:r>
+              <a:rPr lang="en-US" sz="3200" dirty="0" err="1" smtClean="0"/>
               <a:t>cho</a:t>
             </a:r>
             <a:r>
-              <a:rPr lang="en-US" sz="3200" b="1" dirty="0"/>
-              <a:t> </a:t>
-            </a:r>
-            <a:r>
-              <a:rPr lang="en-US" sz="3200" b="1" dirty="0" err="1"/>
+              <a:rPr lang="en-US" sz="3200" dirty="0" smtClean="0"/>
+              <a:t> </a:t>
+            </a:r>
+            <a:r>
+              <a:rPr lang="en-US" sz="3200" dirty="0" err="1" smtClean="0"/>
+              <a:t>việc</a:t>
+            </a:r>
+            <a:r>
+              <a:rPr lang="en-US" sz="3200" dirty="0" smtClean="0"/>
+              <a:t> </a:t>
+            </a:r>
+            <a:r>
+              <a:rPr lang="en-US" sz="3200" dirty="0" err="1" smtClean="0"/>
+              <a:t>áp</a:t>
+            </a:r>
+            <a:r>
+              <a:rPr lang="en-US" sz="3200" dirty="0" smtClean="0"/>
+              <a:t> </a:t>
+            </a:r>
+            <a:r>
+              <a:rPr lang="en-US" sz="3200" dirty="0" err="1" smtClean="0"/>
+              <a:t>dụng</a:t>
+            </a:r>
+            <a:r>
+              <a:rPr lang="en-US" sz="3200" dirty="0" smtClean="0"/>
+              <a:t> </a:t>
+            </a:r>
+            <a:r>
+              <a:rPr lang="en-US" sz="3200" dirty="0" err="1" smtClean="0"/>
+              <a:t>lên</a:t>
+            </a:r>
+            <a:r>
+              <a:rPr lang="en-US" sz="3200" dirty="0" smtClean="0"/>
+              <a:t> </a:t>
+            </a:r>
+            <a:r>
+              <a:rPr lang="en-US" sz="3200" dirty="0" err="1" smtClean="0"/>
               <a:t>dữ</a:t>
             </a:r>
             <a:r>
-              <a:rPr lang="en-US" sz="3200" b="1" dirty="0"/>
-              <a:t> </a:t>
-            </a:r>
-            <a:r>
-              <a:rPr lang="en-US" sz="3200" b="1" dirty="0" err="1"/>
+              <a:rPr lang="en-US" sz="3200" dirty="0" smtClean="0"/>
+              <a:t> </a:t>
+            </a:r>
+            <a:r>
+              <a:rPr lang="en-US" sz="3200" dirty="0" err="1" smtClean="0"/>
               <a:t>liệu</a:t>
             </a:r>
             <a:r>
-              <a:rPr lang="en-US" sz="3200" b="1" dirty="0"/>
-              <a:t> </a:t>
-            </a:r>
-            <a:r>
-              <a:rPr lang="en-US" sz="3200" b="1" dirty="0" err="1"/>
+              <a:rPr lang="en-US" sz="3200" dirty="0" smtClean="0"/>
+              <a:t> </a:t>
+            </a:r>
+            <a:r>
+              <a:rPr lang="en-US" sz="3200" dirty="0" err="1" smtClean="0"/>
               <a:t>tiếng</a:t>
             </a:r>
             <a:r>
-              <a:rPr lang="en-US" sz="3200" b="1" dirty="0"/>
-              <a:t> </a:t>
-            </a:r>
-            <a:r>
-              <a:rPr lang="en-US" sz="3200" b="1" dirty="0" err="1"/>
-              <a:t>Anh</a:t>
-            </a:r>
-            <a:r>
-              <a:rPr lang="en-US" sz="3200" b="1" dirty="0" smtClean="0"/>
-              <a:t>”</a:t>
-            </a:r>
+              <a:rPr lang="en-US" sz="3200" dirty="0" smtClean="0"/>
+              <a:t> </a:t>
+            </a:r>
+            <a:r>
+              <a:rPr lang="en-US" sz="3200" dirty="0" err="1" smtClean="0"/>
+              <a:t>Việt</a:t>
+            </a:r>
+            <a:endParaRPr lang="en-US" sz="3200" dirty="0" smtClean="0"/>
           </a:p>
           <a:p>
             <a:pPr>
@@ -9700,8 +10245,12 @@
               <a:defRPr/>
             </a:pPr>
             <a:r>
-              <a:rPr lang="en-US" sz="3200" smtClean="0"/>
-              <a:t>Thử </a:t>
+              <a:rPr lang="en-US" sz="3200" dirty="0" err="1" smtClean="0"/>
+              <a:t>Thử</a:t>
+            </a:r>
+            <a:r>
+              <a:rPr lang="en-US" sz="3200" dirty="0" smtClean="0"/>
+              <a:t> </a:t>
             </a:r>
             <a:r>
               <a:rPr lang="en-US" sz="3200" dirty="0" err="1"/>
@@ -9784,11 +10333,11 @@
               <a:t> </a:t>
             </a:r>
             <a:r>
-              <a:rPr lang="en-US" sz="3200" i="1" dirty="0" err="1"/>
-              <a:t>trong</a:t>
-            </a:r>
-            <a:r>
-              <a:rPr lang="en-US" sz="3200" i="1" dirty="0"/>
+              <a:rPr lang="en-US" sz="3200" i="1" dirty="0" err="1" smtClean="0"/>
+              <a:t>cho</a:t>
+            </a:r>
+            <a:r>
+              <a:rPr lang="en-US" sz="3200" i="1" dirty="0" smtClean="0"/>
               <a:t> </a:t>
             </a:r>
             <a:r>
@@ -9808,17 +10357,18 @@
               <a:t> </a:t>
             </a:r>
             <a:r>
-              <a:rPr lang="en-US" sz="3200" i="1" err="1"/>
+              <a:rPr lang="en-US" sz="3200" i="1" dirty="0" err="1"/>
               <a:t>điện</a:t>
             </a:r>
             <a:r>
-              <a:rPr lang="en-US" sz="3200" i="1"/>
-              <a:t> </a:t>
-            </a:r>
-            <a:r>
-              <a:rPr lang="en-US" sz="3200" i="1" smtClean="0"/>
+              <a:rPr lang="en-US" sz="3200" i="1" dirty="0"/>
+              <a:t> </a:t>
+            </a:r>
+            <a:r>
+              <a:rPr lang="en-US" sz="3200" i="1" dirty="0" err="1" smtClean="0"/>
               <a:t>tử</a:t>
             </a:r>
+            <a:endParaRPr lang="en-US" sz="3200" i="1" dirty="0" smtClean="0"/>
           </a:p>
           <a:p>
             <a:pPr marL="457200" indent="-457200">
@@ -9830,9 +10380,74 @@
               <a:defRPr/>
             </a:pPr>
             <a:r>
-              <a:rPr lang="en-US" sz="3200" smtClean="0"/>
-              <a:t>Hơn 20 nhóm dự thi đề xuất các phương pháp</a:t>
-            </a:r>
+              <a:rPr lang="en-US" sz="3200" dirty="0" err="1" smtClean="0"/>
+              <a:t>Hơn</a:t>
+            </a:r>
+            <a:r>
+              <a:rPr lang="en-US" sz="3200" dirty="0" smtClean="0"/>
+              <a:t> 20 </a:t>
+            </a:r>
+            <a:r>
+              <a:rPr lang="en-US" sz="3200" dirty="0" err="1" smtClean="0"/>
+              <a:t>nhóm</a:t>
+            </a:r>
+            <a:r>
+              <a:rPr lang="en-US" sz="3200" dirty="0" smtClean="0"/>
+              <a:t> </a:t>
+            </a:r>
+            <a:r>
+              <a:rPr lang="en-US" sz="3200" dirty="0" err="1" smtClean="0"/>
+              <a:t>dự</a:t>
+            </a:r>
+            <a:r>
+              <a:rPr lang="en-US" sz="3200" dirty="0" smtClean="0"/>
+              <a:t> </a:t>
+            </a:r>
+            <a:r>
+              <a:rPr lang="en-US" sz="3200" dirty="0" err="1" smtClean="0"/>
+              <a:t>thi</a:t>
+            </a:r>
+            <a:r>
+              <a:rPr lang="en-US" sz="3200" dirty="0" smtClean="0"/>
+              <a:t> </a:t>
+            </a:r>
+            <a:r>
+              <a:rPr lang="en-US" sz="3200" dirty="0" err="1" smtClean="0"/>
+              <a:t>đề</a:t>
+            </a:r>
+            <a:r>
+              <a:rPr lang="en-US" sz="3200" dirty="0" smtClean="0"/>
+              <a:t> </a:t>
+            </a:r>
+            <a:r>
+              <a:rPr lang="en-US" sz="3200" dirty="0" err="1" smtClean="0"/>
+              <a:t>xuất</a:t>
+            </a:r>
+            <a:r>
+              <a:rPr lang="en-US" sz="3200" dirty="0" smtClean="0"/>
+              <a:t> </a:t>
+            </a:r>
+            <a:r>
+              <a:rPr lang="en-US" sz="3200" dirty="0" err="1" smtClean="0"/>
+              <a:t>các</a:t>
+            </a:r>
+            <a:r>
+              <a:rPr lang="en-US" sz="3200" dirty="0" smtClean="0"/>
+              <a:t> </a:t>
+            </a:r>
+            <a:r>
+              <a:rPr lang="en-US" sz="3200" dirty="0" err="1" smtClean="0"/>
+              <a:t>phương</a:t>
+            </a:r>
+            <a:r>
+              <a:rPr lang="en-US" sz="3200" dirty="0" smtClean="0"/>
+              <a:t> </a:t>
+            </a:r>
+            <a:r>
+              <a:rPr lang="en-US" sz="3200" dirty="0" err="1" smtClean="0"/>
+              <a:t>pháp</a:t>
+            </a:r>
+            <a:endParaRPr lang="en-US" sz="3200" dirty="0" smtClean="0"/>
           </a:p>
           <a:p>
             <a:pPr marL="914400" lvl="1" indent="-457200">
@@ -9844,9 +10459,42 @@
               <a:defRPr/>
             </a:pPr>
             <a:r>
-              <a:rPr lang="en-US" sz="2800" smtClean="0"/>
-              <a:t>Hệ thống dựa trên luật</a:t>
-            </a:r>
+              <a:rPr lang="en-US" sz="2800" dirty="0" err="1" smtClean="0"/>
+              <a:t>Hệ</a:t>
+            </a:r>
+            <a:r>
+              <a:rPr lang="en-US" sz="2800" dirty="0" smtClean="0"/>
+              <a:t> </a:t>
+            </a:r>
+            <a:r>
+              <a:rPr lang="en-US" sz="2800" dirty="0" err="1" smtClean="0"/>
+              <a:t>thống</a:t>
+            </a:r>
+            <a:r>
+              <a:rPr lang="en-US" sz="2800" dirty="0" smtClean="0"/>
+              <a:t> </a:t>
+            </a:r>
+            <a:r>
+              <a:rPr lang="en-US" sz="2800" dirty="0" err="1" smtClean="0"/>
+              <a:t>dựa</a:t>
+            </a:r>
+            <a:r>
+              <a:rPr lang="en-US" sz="2800" dirty="0" smtClean="0"/>
+              <a:t> </a:t>
+            </a:r>
+            <a:r>
+              <a:rPr lang="en-US" sz="2800" dirty="0" err="1" smtClean="0"/>
+              <a:t>trên</a:t>
+            </a:r>
+            <a:r>
+              <a:rPr lang="en-US" sz="2800" dirty="0" smtClean="0"/>
+              <a:t> </a:t>
+            </a:r>
+            <a:r>
+              <a:rPr lang="en-US" sz="2800" dirty="0" err="1" smtClean="0"/>
+              <a:t>luật</a:t>
+            </a:r>
+            <a:endParaRPr lang="en-US" sz="2800" dirty="0" smtClean="0"/>
           </a:p>
           <a:p>
             <a:pPr marL="914400" lvl="1" indent="-457200">
@@ -9858,9 +10506,58 @@
               <a:defRPr/>
             </a:pPr>
             <a:r>
-              <a:rPr lang="en-US" sz="2800" smtClean="0"/>
-              <a:t>Hệ thống học máy có giám sát</a:t>
-            </a:r>
+              <a:rPr lang="en-US" sz="2800" dirty="0" err="1" smtClean="0"/>
+              <a:t>Hệ</a:t>
+            </a:r>
+            <a:r>
+              <a:rPr lang="en-US" sz="2800" dirty="0" smtClean="0"/>
+              <a:t> </a:t>
+            </a:r>
+            <a:r>
+              <a:rPr lang="en-US" sz="2800" dirty="0" err="1" smtClean="0"/>
+              <a:t>thống</a:t>
+            </a:r>
+            <a:r>
+              <a:rPr lang="en-US" sz="2800" dirty="0" smtClean="0"/>
+              <a:t> </a:t>
+            </a:r>
+            <a:r>
+              <a:rPr lang="en-US" sz="2800" dirty="0" err="1" smtClean="0"/>
+              <a:t>học</a:t>
+            </a:r>
+            <a:r>
+              <a:rPr lang="en-US" sz="2800" dirty="0" smtClean="0"/>
+              <a:t> </a:t>
+            </a:r>
+            <a:r>
+              <a:rPr lang="en-US" sz="2800" dirty="0" err="1" smtClean="0"/>
+              <a:t>máy</a:t>
+            </a:r>
+            <a:r>
+              <a:rPr lang="en-US" sz="2800" dirty="0" smtClean="0"/>
+              <a:t> </a:t>
+            </a:r>
+            <a:r>
+              <a:rPr lang="en-US" sz="2800" dirty="0" err="1" smtClean="0"/>
+              <a:t>có</a:t>
+            </a:r>
+            <a:r>
+              <a:rPr lang="en-US" sz="2800" dirty="0" smtClean="0"/>
+              <a:t> </a:t>
+            </a:r>
+            <a:r>
+              <a:rPr lang="en-US" sz="2800" dirty="0" err="1" smtClean="0"/>
+              <a:t>giám</a:t>
+            </a:r>
+            <a:r>
+              <a:rPr lang="en-US" sz="2800" dirty="0" smtClean="0"/>
+              <a:t> </a:t>
+            </a:r>
+            <a:r>
+              <a:rPr lang="en-US" sz="2800" dirty="0" err="1" smtClean="0"/>
+              <a:t>sát</a:t>
+            </a:r>
+            <a:endParaRPr lang="en-US" sz="2800" dirty="0" smtClean="0"/>
           </a:p>
           <a:p>
             <a:pPr marL="914400" lvl="1" indent="-457200">
@@ -9872,8 +10569,24 @@
               <a:defRPr/>
             </a:pPr>
             <a:r>
-              <a:rPr lang="en-US" sz="2800" smtClean="0"/>
-              <a:t>Hệ thống lai</a:t>
+              <a:rPr lang="en-US" sz="2800" dirty="0" err="1" smtClean="0"/>
+              <a:t>Hệ</a:t>
+            </a:r>
+            <a:r>
+              <a:rPr lang="en-US" sz="2800" dirty="0" smtClean="0"/>
+              <a:t> </a:t>
+            </a:r>
+            <a:r>
+              <a:rPr lang="en-US" sz="2800" dirty="0" err="1" smtClean="0"/>
+              <a:t>thống</a:t>
+            </a:r>
+            <a:r>
+              <a:rPr lang="en-US" sz="2800" dirty="0" smtClean="0"/>
+              <a:t> </a:t>
+            </a:r>
+            <a:r>
+              <a:rPr lang="en-US" sz="2800" dirty="0" err="1" smtClean="0"/>
+              <a:t>lai</a:t>
             </a:r>
             <a:endParaRPr lang="en-US" sz="2800" dirty="0"/>
           </a:p>
@@ -9887,24 +10600,132 @@
               <a:defRPr/>
             </a:pPr>
             <a:r>
-              <a:rPr lang="en-US" sz="3200" err="1" smtClean="0"/>
+              <a:rPr lang="en-US" sz="3200" dirty="0" err="1" smtClean="0"/>
               <a:t>Phương</a:t>
             </a:r>
             <a:r>
-              <a:rPr lang="en-US" sz="3200" smtClean="0"/>
-              <a:t> </a:t>
-            </a:r>
-            <a:r>
-              <a:rPr lang="en-US" sz="3200" smtClean="0"/>
+              <a:rPr lang="en-US" sz="3200" dirty="0" smtClean="0"/>
+              <a:t> </a:t>
+            </a:r>
+            <a:r>
+              <a:rPr lang="en-US" sz="3200" dirty="0" err="1" smtClean="0"/>
               <a:t>pháp</a:t>
             </a:r>
             <a:r>
-              <a:rPr lang="en-US" sz="3200"/>
-              <a:t> </a:t>
-            </a:r>
-            <a:r>
-              <a:rPr lang="en-US" sz="3200" smtClean="0"/>
-              <a:t>sử dụng học máy có giám sát cho kết quả tốt nhất với độ F = 0.915</a:t>
+              <a:rPr lang="en-US" sz="3200" dirty="0"/>
+              <a:t> </a:t>
+            </a:r>
+            <a:r>
+              <a:rPr lang="en-US" sz="3200" dirty="0" err="1" smtClean="0"/>
+              <a:t>sử</a:t>
+            </a:r>
+            <a:r>
+              <a:rPr lang="en-US" sz="3200" dirty="0" smtClean="0"/>
+              <a:t> </a:t>
+            </a:r>
+            <a:r>
+              <a:rPr lang="en-US" sz="3200" dirty="0" err="1" smtClean="0"/>
+              <a:t>dụng</a:t>
+            </a:r>
+            <a:r>
+              <a:rPr lang="en-US" sz="3200" dirty="0" smtClean="0"/>
+              <a:t> </a:t>
+            </a:r>
+            <a:r>
+              <a:rPr lang="en-US" sz="3200" dirty="0" err="1" smtClean="0"/>
+              <a:t>học</a:t>
+            </a:r>
+            <a:r>
+              <a:rPr lang="en-US" sz="3200" dirty="0" smtClean="0"/>
+              <a:t> </a:t>
+            </a:r>
+            <a:r>
+              <a:rPr lang="en-US" sz="3200" dirty="0" err="1" smtClean="0"/>
+              <a:t>máy</a:t>
+            </a:r>
+            <a:r>
+              <a:rPr lang="en-US" sz="3200" dirty="0" smtClean="0"/>
+              <a:t> </a:t>
+            </a:r>
+            <a:r>
+              <a:rPr lang="en-US" sz="3200" dirty="0" err="1" smtClean="0"/>
+              <a:t>có</a:t>
+            </a:r>
+            <a:r>
+              <a:rPr lang="en-US" sz="3200" dirty="0" smtClean="0"/>
+              <a:t> </a:t>
+            </a:r>
+            <a:r>
+              <a:rPr lang="en-US" sz="3200" dirty="0" err="1" smtClean="0"/>
+              <a:t>giám</a:t>
+            </a:r>
+            <a:r>
+              <a:rPr lang="en-US" sz="3200" dirty="0" smtClean="0"/>
+              <a:t> </a:t>
+            </a:r>
+            <a:r>
+              <a:rPr lang="en-US" sz="3200" dirty="0" err="1" smtClean="0"/>
+              <a:t>sát</a:t>
+            </a:r>
+            <a:r>
+              <a:rPr lang="en-US" sz="3200" dirty="0" smtClean="0"/>
+              <a:t> </a:t>
+            </a:r>
+            <a:r>
+              <a:rPr lang="en-US" sz="3200" dirty="0" err="1" smtClean="0"/>
+              <a:t>cho</a:t>
+            </a:r>
+            <a:r>
+              <a:rPr lang="en-US" sz="3200" dirty="0" smtClean="0"/>
+              <a:t> </a:t>
+            </a:r>
+            <a:r>
+              <a:rPr lang="en-US" sz="3200" dirty="0" err="1" smtClean="0"/>
+              <a:t>kết</a:t>
+            </a:r>
+            <a:r>
+              <a:rPr lang="en-US" sz="3200" dirty="0" smtClean="0"/>
+              <a:t> </a:t>
+            </a:r>
+            <a:r>
+              <a:rPr lang="en-US" sz="3200" dirty="0" err="1" smtClean="0"/>
+              <a:t>quả</a:t>
+            </a:r>
+            <a:r>
+              <a:rPr lang="en-US" sz="3200" dirty="0" smtClean="0"/>
+              <a:t> </a:t>
+            </a:r>
+            <a:r>
+              <a:rPr lang="en-US" sz="3200" dirty="0" err="1" smtClean="0"/>
+              <a:t>tốt</a:t>
+            </a:r>
+            <a:r>
+              <a:rPr lang="en-US" sz="3200" dirty="0" smtClean="0"/>
+              <a:t> </a:t>
+            </a:r>
+            <a:r>
+              <a:rPr lang="en-US" sz="3200" dirty="0" err="1" smtClean="0"/>
+              <a:t>nhất</a:t>
+            </a:r>
+            <a:r>
+              <a:rPr lang="en-US" sz="3200" dirty="0" smtClean="0"/>
+              <a:t> </a:t>
+            </a:r>
+            <a:r>
+              <a:rPr lang="en-US" sz="3200" dirty="0" err="1" smtClean="0"/>
+              <a:t>với</a:t>
+            </a:r>
+            <a:r>
+              <a:rPr lang="en-US" sz="3200" dirty="0" smtClean="0"/>
+              <a:t> </a:t>
+            </a:r>
+            <a:r>
+              <a:rPr lang="en-US" sz="3200" dirty="0" err="1" smtClean="0"/>
+              <a:t>độ</a:t>
+            </a:r>
+            <a:r>
+              <a:rPr lang="en-US" sz="3200" dirty="0" smtClean="0"/>
+              <a:t> F = 0.915</a:t>
             </a:r>
           </a:p>
         </p:txBody>
@@ -10084,10 +10905,134 @@
               <a:defRPr/>
             </a:pPr>
             <a:r>
-              <a:rPr lang="en-US" sz="3200" smtClean="0"/>
-              <a:t>Ba mô hình học máy có giám sát giải quyết bài toán phân giải đồng tham chiếu</a:t>
-            </a:r>
-            <a:endParaRPr lang="en-US" sz="3200"/>
+              <a:rPr lang="en-US" sz="3200" dirty="0" smtClean="0"/>
+              <a:t>Ba </a:t>
+            </a:r>
+            <a:r>
+              <a:rPr lang="en-US" sz="3200" dirty="0" err="1" smtClean="0"/>
+              <a:t>mô</a:t>
+            </a:r>
+            <a:r>
+              <a:rPr lang="en-US" sz="3200" dirty="0" smtClean="0"/>
+              <a:t> </a:t>
+            </a:r>
+            <a:r>
+              <a:rPr lang="en-US" sz="3200" dirty="0" err="1" smtClean="0"/>
+              <a:t>hình</a:t>
+            </a:r>
+            <a:r>
+              <a:rPr lang="en-US" sz="3200" dirty="0" smtClean="0"/>
+              <a:t> </a:t>
+            </a:r>
+            <a:r>
+              <a:rPr lang="en-US" sz="3200" dirty="0" err="1" smtClean="0"/>
+              <a:t>học</a:t>
+            </a:r>
+            <a:r>
+              <a:rPr lang="en-US" sz="3200" dirty="0" smtClean="0"/>
+              <a:t> </a:t>
+            </a:r>
+            <a:r>
+              <a:rPr lang="en-US" sz="3200" dirty="0" err="1" smtClean="0"/>
+              <a:t>máy</a:t>
+            </a:r>
+            <a:r>
+              <a:rPr lang="en-US" sz="3200" dirty="0" smtClean="0"/>
+              <a:t> </a:t>
+            </a:r>
+            <a:r>
+              <a:rPr lang="en-US" sz="3200" dirty="0" err="1" smtClean="0"/>
+              <a:t>có</a:t>
+            </a:r>
+            <a:r>
+              <a:rPr lang="en-US" sz="3200" dirty="0" smtClean="0"/>
+              <a:t> </a:t>
+            </a:r>
+            <a:r>
+              <a:rPr lang="en-US" sz="3200" dirty="0" err="1" smtClean="0"/>
+              <a:t>giám</a:t>
+            </a:r>
+            <a:r>
+              <a:rPr lang="en-US" sz="3200" dirty="0" smtClean="0"/>
+              <a:t> </a:t>
+            </a:r>
+            <a:r>
+              <a:rPr lang="en-US" sz="3200" dirty="0" err="1" smtClean="0"/>
+              <a:t>sát</a:t>
+            </a:r>
+            <a:r>
+              <a:rPr lang="en-US" sz="3200" dirty="0" smtClean="0"/>
+              <a:t> </a:t>
+            </a:r>
+            <a:r>
+              <a:rPr lang="en-US" sz="3200" dirty="0" err="1" smtClean="0"/>
+              <a:t>giải</a:t>
+            </a:r>
+            <a:r>
+              <a:rPr lang="en-US" sz="3200" dirty="0" smtClean="0"/>
+              <a:t> </a:t>
+            </a:r>
+            <a:r>
+              <a:rPr lang="en-US" sz="3200" dirty="0" err="1" smtClean="0"/>
+              <a:t>quyết</a:t>
+            </a:r>
+            <a:r>
+              <a:rPr lang="en-US" sz="3200" dirty="0" smtClean="0"/>
+              <a:t> </a:t>
+            </a:r>
+            <a:r>
+              <a:rPr lang="en-US" sz="3200" dirty="0" err="1" smtClean="0"/>
+              <a:t>bài</a:t>
+            </a:r>
+            <a:r>
+              <a:rPr lang="en-US" sz="3200" dirty="0" smtClean="0"/>
+              <a:t> </a:t>
+            </a:r>
+            <a:r>
+              <a:rPr lang="en-US" sz="3200" dirty="0" err="1" smtClean="0"/>
+              <a:t>toán</a:t>
+            </a:r>
+            <a:r>
+              <a:rPr lang="en-US" sz="3200" dirty="0" smtClean="0"/>
+              <a:t> </a:t>
+            </a:r>
+            <a:r>
+              <a:rPr lang="en-US" sz="3200" dirty="0" err="1" smtClean="0"/>
+              <a:t>phân</a:t>
+            </a:r>
+            <a:r>
+              <a:rPr lang="en-US" sz="3200" dirty="0" smtClean="0"/>
+              <a:t> </a:t>
+            </a:r>
+            <a:r>
+              <a:rPr lang="en-US" sz="3200" dirty="0" err="1" smtClean="0"/>
+              <a:t>giải</a:t>
+            </a:r>
+            <a:r>
+              <a:rPr lang="en-US" sz="3200" dirty="0" smtClean="0"/>
+              <a:t> </a:t>
+            </a:r>
+            <a:r>
+              <a:rPr lang="en-US" sz="3200" dirty="0" err="1" smtClean="0"/>
+              <a:t>đồng</a:t>
+            </a:r>
+            <a:r>
+              <a:rPr lang="en-US" sz="3200" dirty="0" smtClean="0"/>
+              <a:t> </a:t>
+            </a:r>
+            <a:r>
+              <a:rPr lang="en-US" sz="3200" dirty="0" err="1" smtClean="0"/>
+              <a:t>tham</a:t>
+            </a:r>
+            <a:r>
+              <a:rPr lang="en-US" sz="3200" dirty="0" smtClean="0"/>
+              <a:t> </a:t>
+            </a:r>
+            <a:r>
+              <a:rPr lang="en-US" sz="3200" dirty="0" err="1" smtClean="0"/>
+              <a:t>chiếu</a:t>
+            </a:r>
+            <a:endParaRPr lang="en-US" sz="3200" dirty="0"/>
           </a:p>
           <a:p>
             <a:pPr marL="914400" lvl="1" indent="-457200">
@@ -10099,8 +11044,44 @@
               <a:defRPr/>
             </a:pPr>
             <a:r>
-              <a:rPr lang="en-US" sz="2800" smtClean="0"/>
-              <a:t>Mô hình cặp khái niệm (mention-pair)</a:t>
+              <a:rPr lang="en-US" sz="2800" dirty="0" err="1" smtClean="0"/>
+              <a:t>Mô</a:t>
+            </a:r>
+            <a:r>
+              <a:rPr lang="en-US" sz="2800" dirty="0" smtClean="0"/>
+              <a:t> </a:t>
+            </a:r>
+            <a:r>
+              <a:rPr lang="en-US" sz="2800" dirty="0" err="1" smtClean="0"/>
+              <a:t>hình</a:t>
+            </a:r>
+            <a:r>
+              <a:rPr lang="en-US" sz="2800" dirty="0" smtClean="0"/>
+              <a:t> </a:t>
+            </a:r>
+            <a:r>
+              <a:rPr lang="en-US" sz="2800" dirty="0" err="1" smtClean="0"/>
+              <a:t>cặp</a:t>
+            </a:r>
+            <a:r>
+              <a:rPr lang="en-US" sz="2800" dirty="0" smtClean="0"/>
+              <a:t> </a:t>
+            </a:r>
+            <a:r>
+              <a:rPr lang="en-US" sz="2800" dirty="0" err="1" smtClean="0"/>
+              <a:t>khái</a:t>
+            </a:r>
+            <a:r>
+              <a:rPr lang="en-US" sz="2800" dirty="0" smtClean="0"/>
+              <a:t> </a:t>
+            </a:r>
+            <a:r>
+              <a:rPr lang="en-US" sz="2800" dirty="0" err="1" smtClean="0"/>
+              <a:t>niệm</a:t>
+            </a:r>
+            <a:r>
+              <a:rPr lang="en-US" sz="2800" dirty="0" smtClean="0"/>
+              <a:t> (mention-pair)</a:t>
             </a:r>
           </a:p>
           <a:p>
@@ -10113,8 +11094,52 @@
               <a:defRPr/>
             </a:pPr>
             <a:r>
-              <a:rPr lang="en-US" sz="2800" smtClean="0"/>
-              <a:t>Mô hình đề cập thực thể (entity-mention)</a:t>
+              <a:rPr lang="en-US" sz="2800" dirty="0" err="1" smtClean="0"/>
+              <a:t>Mô</a:t>
+            </a:r>
+            <a:r>
+              <a:rPr lang="en-US" sz="2800" dirty="0" smtClean="0"/>
+              <a:t> </a:t>
+            </a:r>
+            <a:r>
+              <a:rPr lang="en-US" sz="2800" dirty="0" err="1" smtClean="0"/>
+              <a:t>hình</a:t>
+            </a:r>
+            <a:r>
+              <a:rPr lang="en-US" sz="2800" dirty="0" smtClean="0"/>
+              <a:t> </a:t>
+            </a:r>
+            <a:r>
+              <a:rPr lang="en-US" sz="2800" dirty="0" err="1" smtClean="0"/>
+              <a:t>đề</a:t>
+            </a:r>
+            <a:r>
+              <a:rPr lang="en-US" sz="2800" dirty="0" smtClean="0"/>
+              <a:t> </a:t>
+            </a:r>
+            <a:r>
+              <a:rPr lang="en-US" sz="2800" dirty="0" err="1" smtClean="0"/>
+              <a:t>cập</a:t>
+            </a:r>
+            <a:r>
+              <a:rPr lang="en-US" sz="2800" dirty="0" smtClean="0"/>
+              <a:t> </a:t>
+            </a:r>
+            <a:r>
+              <a:rPr lang="en-US" sz="2800" dirty="0" err="1" smtClean="0"/>
+              <a:t>thực</a:t>
+            </a:r>
+            <a:r>
+              <a:rPr lang="en-US" sz="2800" dirty="0" smtClean="0"/>
+              <a:t> </a:t>
+            </a:r>
+            <a:r>
+              <a:rPr lang="en-US" sz="2800" dirty="0" err="1" smtClean="0"/>
+              <a:t>thể</a:t>
+            </a:r>
+            <a:r>
+              <a:rPr lang="en-US" sz="2800" dirty="0" smtClean="0"/>
+              <a:t> (entity-mention)</a:t>
             </a:r>
           </a:p>
           <a:p>
@@ -10127,10 +11152,38 @@
               <a:defRPr/>
             </a:pPr>
             <a:r>
-              <a:rPr lang="en-US" sz="2800" smtClean="0"/>
-              <a:t>Mô hình xếp hạng (ranking)</a:t>
-            </a:r>
-            <a:endParaRPr lang="en-US" sz="3200"/>
+              <a:rPr lang="en-US" sz="2800" dirty="0" err="1" smtClean="0"/>
+              <a:t>Mô</a:t>
+            </a:r>
+            <a:r>
+              <a:rPr lang="en-US" sz="2800" dirty="0" smtClean="0"/>
+              <a:t> </a:t>
+            </a:r>
+            <a:r>
+              <a:rPr lang="en-US" sz="2800" dirty="0" err="1" smtClean="0"/>
+              <a:t>hình</a:t>
+            </a:r>
+            <a:r>
+              <a:rPr lang="en-US" sz="2800" dirty="0" smtClean="0"/>
+              <a:t> </a:t>
+            </a:r>
+            <a:r>
+              <a:rPr lang="en-US" sz="2800" dirty="0" err="1" smtClean="0"/>
+              <a:t>xếp</a:t>
+            </a:r>
+            <a:r>
+              <a:rPr lang="en-US" sz="2800" dirty="0" smtClean="0"/>
+              <a:t> </a:t>
+            </a:r>
+            <a:r>
+              <a:rPr lang="en-US" sz="2800" dirty="0" err="1" smtClean="0"/>
+              <a:t>hạng</a:t>
+            </a:r>
+            <a:r>
+              <a:rPr lang="en-US" sz="2800" dirty="0" smtClean="0"/>
+              <a:t> (ranking)</a:t>
+            </a:r>
+            <a:endParaRPr lang="en-US" sz="3200" dirty="0"/>
           </a:p>
           <a:p>
             <a:pPr marL="457200" indent="-457200">
@@ -10142,9 +11195,42 @@
               <a:defRPr/>
             </a:pPr>
             <a:r>
-              <a:rPr lang="en-US" sz="3200" smtClean="0"/>
-              <a:t>Mô hình cặp khái niệm</a:t>
-            </a:r>
+              <a:rPr lang="en-US" sz="3200" dirty="0" err="1" smtClean="0"/>
+              <a:t>Mô</a:t>
+            </a:r>
+            <a:r>
+              <a:rPr lang="en-US" sz="3200" dirty="0" smtClean="0"/>
+              <a:t> </a:t>
+            </a:r>
+            <a:r>
+              <a:rPr lang="en-US" sz="3200" dirty="0" err="1" smtClean="0"/>
+              <a:t>hình</a:t>
+            </a:r>
+            <a:r>
+              <a:rPr lang="en-US" sz="3200" dirty="0" smtClean="0"/>
+              <a:t> </a:t>
+            </a:r>
+            <a:r>
+              <a:rPr lang="en-US" sz="3200" dirty="0" err="1" smtClean="0"/>
+              <a:t>cặp</a:t>
+            </a:r>
+            <a:r>
+              <a:rPr lang="en-US" sz="3200" dirty="0" smtClean="0"/>
+              <a:t> </a:t>
+            </a:r>
+            <a:r>
+              <a:rPr lang="en-US" sz="3200" dirty="0" err="1" smtClean="0"/>
+              <a:t>khái</a:t>
+            </a:r>
+            <a:r>
+              <a:rPr lang="en-US" sz="3200" dirty="0" smtClean="0"/>
+              <a:t> </a:t>
+            </a:r>
+            <a:r>
+              <a:rPr lang="en-US" sz="3200" dirty="0" err="1" smtClean="0"/>
+              <a:t>niệm</a:t>
+            </a:r>
+            <a:endParaRPr lang="en-US" sz="3200" dirty="0" smtClean="0"/>
           </a:p>
           <a:p>
             <a:pPr marL="914400" lvl="1" indent="-457200">
@@ -10156,22 +11242,146 @@
               <a:defRPr/>
             </a:pPr>
             <a:r>
-              <a:rPr lang="en-US" sz="2800" smtClean="0"/>
-              <a:t>Phân loại từng cặp khái niệm vào hai lớp: </a:t>
-            </a:r>
-            <a:r>
-              <a:rPr lang="en-US" sz="2800" i="1" smtClean="0"/>
-              <a:t>có đồng tham chiếu </a:t>
-            </a:r>
-            <a:r>
-              <a:rPr lang="en-US" sz="2800" smtClean="0"/>
-              <a:t>và </a:t>
-            </a:r>
-            <a:r>
-              <a:rPr lang="en-US" sz="2800" i="1" smtClean="0"/>
-              <a:t>không đồng tham chiếu</a:t>
-            </a:r>
-            <a:endParaRPr lang="en-US" sz="2800" smtClean="0"/>
+              <a:rPr lang="en-US" sz="2800" dirty="0" err="1" smtClean="0"/>
+              <a:t>Phân</a:t>
+            </a:r>
+            <a:r>
+              <a:rPr lang="en-US" sz="2800" dirty="0" smtClean="0"/>
+              <a:t> </a:t>
+            </a:r>
+            <a:r>
+              <a:rPr lang="en-US" sz="2800" dirty="0" err="1" smtClean="0"/>
+              <a:t>loại</a:t>
+            </a:r>
+            <a:r>
+              <a:rPr lang="en-US" sz="2800" dirty="0" smtClean="0"/>
+              <a:t> </a:t>
+            </a:r>
+            <a:r>
+              <a:rPr lang="en-US" sz="2800" dirty="0" err="1" smtClean="0"/>
+              <a:t>từng</a:t>
+            </a:r>
+            <a:r>
+              <a:rPr lang="en-US" sz="2800" dirty="0" smtClean="0"/>
+              <a:t> </a:t>
+            </a:r>
+            <a:r>
+              <a:rPr lang="en-US" sz="2800" dirty="0" err="1" smtClean="0"/>
+              <a:t>cặp</a:t>
+            </a:r>
+            <a:r>
+              <a:rPr lang="en-US" sz="2800" dirty="0" smtClean="0"/>
+              <a:t> </a:t>
+            </a:r>
+            <a:r>
+              <a:rPr lang="en-US" sz="2800" dirty="0" err="1" smtClean="0"/>
+              <a:t>khái</a:t>
+            </a:r>
+            <a:r>
+              <a:rPr lang="en-US" sz="2800" dirty="0" smtClean="0"/>
+              <a:t> </a:t>
+            </a:r>
+            <a:r>
+              <a:rPr lang="en-US" sz="2800" dirty="0" err="1" smtClean="0"/>
+              <a:t>niệm</a:t>
+            </a:r>
+            <a:r>
+              <a:rPr lang="en-US" sz="2800" dirty="0" smtClean="0"/>
+              <a:t> </a:t>
+            </a:r>
+            <a:r>
+              <a:rPr lang="en-US" sz="2800" dirty="0" err="1" smtClean="0"/>
+              <a:t>vào</a:t>
+            </a:r>
+            <a:r>
+              <a:rPr lang="en-US" sz="2800" dirty="0" smtClean="0"/>
+              <a:t> </a:t>
+            </a:r>
+            <a:r>
+              <a:rPr lang="en-US" sz="2800" dirty="0" err="1" smtClean="0"/>
+              <a:t>hai</a:t>
+            </a:r>
+            <a:r>
+              <a:rPr lang="en-US" sz="2800" dirty="0" smtClean="0"/>
+              <a:t> </a:t>
+            </a:r>
+            <a:r>
+              <a:rPr lang="en-US" sz="2800" dirty="0" err="1" smtClean="0"/>
+              <a:t>lớp</a:t>
+            </a:r>
+            <a:r>
+              <a:rPr lang="en-US" sz="2800" dirty="0" smtClean="0"/>
+              <a:t>: </a:t>
+            </a:r>
+            <a:r>
+              <a:rPr lang="en-US" sz="2800" i="1" dirty="0" err="1" smtClean="0"/>
+              <a:t>có</a:t>
+            </a:r>
+            <a:r>
+              <a:rPr lang="en-US" sz="2800" i="1" dirty="0" smtClean="0"/>
+              <a:t> </a:t>
+            </a:r>
+            <a:r>
+              <a:rPr lang="en-US" sz="2800" i="1" dirty="0" err="1" smtClean="0"/>
+              <a:t>đồng</a:t>
+            </a:r>
+            <a:r>
+              <a:rPr lang="en-US" sz="2800" i="1" dirty="0" smtClean="0"/>
+              <a:t> </a:t>
+            </a:r>
+            <a:r>
+              <a:rPr lang="en-US" sz="2800" i="1" dirty="0" err="1" smtClean="0"/>
+              <a:t>tham</a:t>
+            </a:r>
+            <a:r>
+              <a:rPr lang="en-US" sz="2800" i="1" dirty="0" smtClean="0"/>
+              <a:t> </a:t>
+            </a:r>
+            <a:r>
+              <a:rPr lang="en-US" sz="2800" i="1" dirty="0" err="1" smtClean="0"/>
+              <a:t>chiếu</a:t>
+            </a:r>
+            <a:r>
+              <a:rPr lang="en-US" sz="2800" i="1" dirty="0" smtClean="0"/>
+              <a:t> </a:t>
+            </a:r>
+            <a:r>
+              <a:rPr lang="en-US" sz="2800" dirty="0" err="1" smtClean="0"/>
+              <a:t>và</a:t>
+            </a:r>
+            <a:r>
+              <a:rPr lang="en-US" sz="2800" dirty="0" smtClean="0"/>
+              <a:t> </a:t>
+            </a:r>
+            <a:r>
+              <a:rPr lang="en-US" sz="2800" i="1" dirty="0" err="1" smtClean="0"/>
+              <a:t>không</a:t>
+            </a:r>
+            <a:r>
+              <a:rPr lang="en-US" sz="2800" i="1" dirty="0" smtClean="0"/>
+              <a:t> </a:t>
+            </a:r>
+            <a:r>
+              <a:rPr lang="en-US" sz="2800" i="1" dirty="0" err="1" smtClean="0"/>
+              <a:t>đồng</a:t>
+            </a:r>
+            <a:r>
+              <a:rPr lang="en-US" sz="2800" i="1" dirty="0" smtClean="0"/>
+              <a:t> </a:t>
+            </a:r>
+            <a:r>
+              <a:rPr lang="en-US" sz="2800" i="1" dirty="0" err="1" smtClean="0"/>
+              <a:t>tham</a:t>
+            </a:r>
+            <a:r>
+              <a:rPr lang="en-US" sz="2800" i="1" dirty="0" smtClean="0"/>
+              <a:t> </a:t>
+            </a:r>
+            <a:r>
+              <a:rPr lang="en-US" sz="2800" i="1" dirty="0" err="1" smtClean="0"/>
+              <a:t>chiếu</a:t>
+            </a:r>
+            <a:endParaRPr lang="en-US" sz="2800" dirty="0" smtClean="0"/>
           </a:p>
           <a:p>
             <a:pPr marL="914400" lvl="1" indent="-457200">
@@ -10183,10 +11393,50 @@
               <a:defRPr/>
             </a:pPr>
             <a:r>
-              <a:rPr lang="en-US" sz="2800" smtClean="0"/>
-              <a:t>Cần một giải thuật gom cụm</a:t>
-            </a:r>
-            <a:endParaRPr lang="en-US" sz="2800"/>
+              <a:rPr lang="en-US" sz="2800" dirty="0" err="1" smtClean="0"/>
+              <a:t>Cần</a:t>
+            </a:r>
+            <a:r>
+              <a:rPr lang="en-US" sz="2800" dirty="0" smtClean="0"/>
+              <a:t> </a:t>
+            </a:r>
+            <a:r>
+              <a:rPr lang="en-US" sz="2800" dirty="0" err="1" smtClean="0"/>
+              <a:t>một</a:t>
+            </a:r>
+            <a:r>
+              <a:rPr lang="en-US" sz="2800" dirty="0" smtClean="0"/>
+              <a:t> </a:t>
+            </a:r>
+            <a:r>
+              <a:rPr lang="en-US" sz="2800" dirty="0" err="1" smtClean="0"/>
+              <a:t>giải</a:t>
+            </a:r>
+            <a:r>
+              <a:rPr lang="en-US" sz="2800" dirty="0" smtClean="0"/>
+              <a:t> </a:t>
+            </a:r>
+            <a:r>
+              <a:rPr lang="en-US" sz="2800" dirty="0" err="1" smtClean="0"/>
+              <a:t>thuật</a:t>
+            </a:r>
+            <a:r>
+              <a:rPr lang="en-US" sz="2800" dirty="0" smtClean="0"/>
+              <a:t> </a:t>
+            </a:r>
+            <a:r>
+              <a:rPr lang="en-US" sz="2800" dirty="0" err="1" smtClean="0"/>
+              <a:t>gom</a:t>
+            </a:r>
+            <a:r>
+              <a:rPr lang="en-US" sz="2800" dirty="0" smtClean="0"/>
+              <a:t> </a:t>
+            </a:r>
+            <a:r>
+              <a:rPr lang="en-US" sz="2800" dirty="0" err="1" smtClean="0"/>
+              <a:t>cụm</a:t>
+            </a:r>
+            <a:endParaRPr lang="en-US" sz="2800" dirty="0"/>
           </a:p>
         </p:txBody>
       </p:sp>
@@ -10365,9 +11615,58 @@
               <a:defRPr/>
             </a:pPr>
             <a:r>
-              <a:rPr lang="en-US" sz="2800" smtClean="0"/>
-              <a:t>Sử dụng mô hình cặp khái niệm</a:t>
-            </a:r>
+              <a:rPr lang="en-US" sz="2800" dirty="0" err="1" smtClean="0"/>
+              <a:t>Sử</a:t>
+            </a:r>
+            <a:r>
+              <a:rPr lang="en-US" sz="2800" dirty="0" smtClean="0"/>
+              <a:t> </a:t>
+            </a:r>
+            <a:r>
+              <a:rPr lang="en-US" sz="2800" dirty="0" err="1" smtClean="0"/>
+              <a:t>dụng</a:t>
+            </a:r>
+            <a:r>
+              <a:rPr lang="en-US" sz="2800" dirty="0" smtClean="0"/>
+              <a:t> </a:t>
+            </a:r>
+            <a:r>
+              <a:rPr lang="en-US" sz="2800" dirty="0" err="1" smtClean="0"/>
+              <a:t>mô</a:t>
+            </a:r>
+            <a:r>
+              <a:rPr lang="en-US" sz="2800" dirty="0" smtClean="0"/>
+              <a:t> </a:t>
+            </a:r>
+            <a:r>
+              <a:rPr lang="en-US" sz="2800" dirty="0" err="1" smtClean="0"/>
+              <a:t>hình</a:t>
+            </a:r>
+            <a:r>
+              <a:rPr lang="en-US" sz="2800" dirty="0" smtClean="0"/>
+              <a:t> </a:t>
+            </a:r>
+            <a:r>
+              <a:rPr lang="en-US" sz="2800" dirty="0" err="1" smtClean="0"/>
+              <a:t>cặp</a:t>
+            </a:r>
+            <a:r>
+              <a:rPr lang="en-US" sz="2800" dirty="0" smtClean="0"/>
+              <a:t> </a:t>
+            </a:r>
+            <a:r>
+              <a:rPr lang="en-US" sz="2800" dirty="0" err="1" smtClean="0"/>
+              <a:t>khái</a:t>
+            </a:r>
+            <a:r>
+              <a:rPr lang="en-US" sz="2800" dirty="0" smtClean="0"/>
+              <a:t> </a:t>
+            </a:r>
+            <a:r>
+              <a:rPr lang="en-US" sz="2800" dirty="0" err="1" smtClean="0"/>
+              <a:t>niệm</a:t>
+            </a:r>
+            <a:endParaRPr lang="en-US" sz="2800" dirty="0" smtClean="0"/>
           </a:p>
           <a:p>
             <a:pPr marL="914400" lvl="1" indent="-457200">
@@ -10379,8 +11678,44 @@
               <a:defRPr/>
             </a:pPr>
             <a:r>
-              <a:rPr lang="en-US" sz="2400" smtClean="0"/>
-              <a:t>Gom cụm tốt nhất trước (best-first clustering)</a:t>
+              <a:rPr lang="en-US" sz="2400" dirty="0" err="1" smtClean="0"/>
+              <a:t>Gom</a:t>
+            </a:r>
+            <a:r>
+              <a:rPr lang="en-US" sz="2400" dirty="0" smtClean="0"/>
+              <a:t> </a:t>
+            </a:r>
+            <a:r>
+              <a:rPr lang="en-US" sz="2400" dirty="0" err="1" smtClean="0"/>
+              <a:t>cụm</a:t>
+            </a:r>
+            <a:r>
+              <a:rPr lang="en-US" sz="2400" dirty="0" smtClean="0"/>
+              <a:t> </a:t>
+            </a:r>
+            <a:r>
+              <a:rPr lang="en-US" sz="2400" dirty="0" err="1" smtClean="0"/>
+              <a:t>tốt</a:t>
+            </a:r>
+            <a:r>
+              <a:rPr lang="en-US" sz="2400" dirty="0" smtClean="0"/>
+              <a:t> </a:t>
+            </a:r>
+            <a:r>
+              <a:rPr lang="en-US" sz="2400" dirty="0" err="1" smtClean="0"/>
+              <a:t>nhất</a:t>
+            </a:r>
+            <a:r>
+              <a:rPr lang="en-US" sz="2400" dirty="0" smtClean="0"/>
+              <a:t> </a:t>
+            </a:r>
+            <a:r>
+              <a:rPr lang="en-US" sz="2400" dirty="0" err="1" smtClean="0"/>
+              <a:t>trước</a:t>
+            </a:r>
+            <a:r>
+              <a:rPr lang="en-US" sz="2400" dirty="0" smtClean="0"/>
+              <a:t> (best-first clustering)</a:t>
             </a:r>
           </a:p>
           <a:p>
@@ -10393,9 +11728,82 @@
               <a:defRPr/>
             </a:pPr>
             <a:r>
-              <a:rPr lang="en-US" sz="2400" smtClean="0"/>
-              <a:t>Tập trung vào thiết kế tập thuộc tính đặc trưng</a:t>
-            </a:r>
+              <a:rPr lang="en-US" sz="2400" dirty="0" err="1" smtClean="0"/>
+              <a:t>Tập</a:t>
+            </a:r>
+            <a:r>
+              <a:rPr lang="en-US" sz="2400" dirty="0" smtClean="0"/>
+              <a:t> </a:t>
+            </a:r>
+            <a:r>
+              <a:rPr lang="en-US" sz="2400" dirty="0" err="1" smtClean="0"/>
+              <a:t>trung</a:t>
+            </a:r>
+            <a:r>
+              <a:rPr lang="en-US" sz="2400" dirty="0" smtClean="0"/>
+              <a:t> </a:t>
+            </a:r>
+            <a:r>
+              <a:rPr lang="en-US" sz="2400" dirty="0" err="1" smtClean="0"/>
+              <a:t>vào</a:t>
+            </a:r>
+            <a:r>
+              <a:rPr lang="en-US" sz="2400" dirty="0" smtClean="0"/>
+              <a:t> </a:t>
+            </a:r>
+            <a:r>
+              <a:rPr lang="en-US" sz="2400" dirty="0" err="1" smtClean="0"/>
+              <a:t>thiết</a:t>
+            </a:r>
+            <a:r>
+              <a:rPr lang="en-US" sz="2400" dirty="0" smtClean="0"/>
+              <a:t> </a:t>
+            </a:r>
+            <a:r>
+              <a:rPr lang="en-US" sz="2400" dirty="0" err="1" smtClean="0"/>
+              <a:t>kế</a:t>
+            </a:r>
+            <a:r>
+              <a:rPr lang="en-US" sz="2400" dirty="0" smtClean="0"/>
+              <a:t> </a:t>
+            </a:r>
+            <a:r>
+              <a:rPr lang="en-US" sz="2400" dirty="0" err="1" smtClean="0"/>
+              <a:t>tập</a:t>
+            </a:r>
+            <a:r>
+              <a:rPr lang="en-US" sz="2400" dirty="0" smtClean="0"/>
+              <a:t> </a:t>
+            </a:r>
+            <a:r>
+              <a:rPr lang="en-US" sz="2400" dirty="0" err="1" smtClean="0"/>
+              <a:t>thuộc</a:t>
+            </a:r>
+            <a:r>
+              <a:rPr lang="en-US" sz="2400" dirty="0" smtClean="0"/>
+              <a:t> </a:t>
+            </a:r>
+            <a:r>
+              <a:rPr lang="en-US" sz="2400" dirty="0" err="1" smtClean="0"/>
+              <a:t>tính</a:t>
+            </a:r>
+            <a:r>
+              <a:rPr lang="en-US" sz="2400" dirty="0" smtClean="0"/>
+              <a:t> </a:t>
+            </a:r>
+            <a:r>
+              <a:rPr lang="en-US" sz="2400" dirty="0" err="1" smtClean="0"/>
+              <a:t>đặc</a:t>
+            </a:r>
+            <a:r>
+              <a:rPr lang="en-US" sz="2400" dirty="0" smtClean="0"/>
+              <a:t> </a:t>
+            </a:r>
+            <a:r>
+              <a:rPr lang="en-US" sz="2400" dirty="0" err="1" smtClean="0"/>
+              <a:t>trưng</a:t>
+            </a:r>
+            <a:endParaRPr lang="en-US" sz="2400" dirty="0" smtClean="0"/>
           </a:p>
           <a:p>
             <a:pPr marL="457200" indent="-457200">
@@ -10407,8 +11815,28 @@
               <a:defRPr/>
             </a:pPr>
             <a:r>
-              <a:rPr lang="en-US" sz="2800" smtClean="0"/>
-              <a:t>Đặc trưng lớp Person</a:t>
+              <a:rPr lang="en-US" sz="2800" dirty="0" err="1" smtClean="0"/>
+              <a:t>Đặc</a:t>
+            </a:r>
+            <a:r>
+              <a:rPr lang="en-US" sz="2800" dirty="0" smtClean="0"/>
+              <a:t> </a:t>
+            </a:r>
+            <a:r>
+              <a:rPr lang="en-US" sz="2800" dirty="0" err="1" smtClean="0"/>
+              <a:t>trưng</a:t>
+            </a:r>
+            <a:r>
+              <a:rPr lang="en-US" sz="2800" dirty="0" smtClean="0"/>
+              <a:t> </a:t>
+            </a:r>
+            <a:r>
+              <a:rPr lang="en-US" sz="2800" dirty="0" err="1" smtClean="0"/>
+              <a:t>lớp</a:t>
+            </a:r>
+            <a:r>
+              <a:rPr lang="en-US" sz="2800" dirty="0" smtClean="0"/>
+              <a:t> Person</a:t>
             </a:r>
           </a:p>
           <a:p>
@@ -10421,9 +11849,98 @@
               <a:defRPr/>
             </a:pPr>
             <a:r>
-              <a:rPr lang="en-US" sz="2400" smtClean="0"/>
-              <a:t>Tồn tại một chuỗi đồng tham chiếu lớn chỉ về bệnh nhân</a:t>
-            </a:r>
+              <a:rPr lang="en-US" sz="2400" dirty="0" err="1" smtClean="0"/>
+              <a:t>Tồn</a:t>
+            </a:r>
+            <a:r>
+              <a:rPr lang="en-US" sz="2400" dirty="0" smtClean="0"/>
+              <a:t> </a:t>
+            </a:r>
+            <a:r>
+              <a:rPr lang="en-US" sz="2400" dirty="0" err="1" smtClean="0"/>
+              <a:t>tại</a:t>
+            </a:r>
+            <a:r>
+              <a:rPr lang="en-US" sz="2400" dirty="0" smtClean="0"/>
+              <a:t> </a:t>
+            </a:r>
+            <a:r>
+              <a:rPr lang="en-US" sz="2400" dirty="0" err="1" smtClean="0"/>
+              <a:t>một</a:t>
+            </a:r>
+            <a:r>
+              <a:rPr lang="en-US" sz="2400" dirty="0" smtClean="0"/>
+              <a:t> </a:t>
+            </a:r>
+            <a:r>
+              <a:rPr lang="en-US" sz="2400" dirty="0" err="1" smtClean="0"/>
+              <a:t>chuỗi</a:t>
+            </a:r>
+            <a:r>
+              <a:rPr lang="en-US" sz="2400" dirty="0" smtClean="0"/>
+              <a:t> </a:t>
+            </a:r>
+            <a:r>
+              <a:rPr lang="en-US" sz="2400" dirty="0" err="1" smtClean="0"/>
+              <a:t>đồng</a:t>
+            </a:r>
+            <a:r>
+              <a:rPr lang="en-US" sz="2400" dirty="0" smtClean="0"/>
+              <a:t> </a:t>
+            </a:r>
+            <a:r>
+              <a:rPr lang="en-US" sz="2400" dirty="0" err="1" smtClean="0"/>
+              <a:t>tham</a:t>
+            </a:r>
+            <a:r>
+              <a:rPr lang="en-US" sz="2400" dirty="0" smtClean="0"/>
+              <a:t> </a:t>
+            </a:r>
+            <a:r>
+              <a:rPr lang="en-US" sz="2400" dirty="0" err="1" smtClean="0"/>
+              <a:t>chiếu</a:t>
+            </a:r>
+            <a:r>
+              <a:rPr lang="en-US" sz="2400" dirty="0" smtClean="0"/>
+              <a:t> </a:t>
+            </a:r>
+            <a:r>
+              <a:rPr lang="en-US" sz="2400" dirty="0" err="1" smtClean="0"/>
+              <a:t>lớn</a:t>
+            </a:r>
+            <a:r>
+              <a:rPr lang="en-US" sz="2400" dirty="0" smtClean="0"/>
+              <a:t> </a:t>
+            </a:r>
+            <a:r>
+              <a:rPr lang="en-US" sz="2400" dirty="0" err="1" smtClean="0"/>
+              <a:t>chỉ</a:t>
+            </a:r>
+            <a:r>
+              <a:rPr lang="en-US" sz="2400" dirty="0" smtClean="0"/>
+              <a:t> </a:t>
+            </a:r>
+            <a:r>
+              <a:rPr lang="en-US" sz="2400" dirty="0" err="1" smtClean="0"/>
+              <a:t>về</a:t>
+            </a:r>
+            <a:r>
+              <a:rPr lang="en-US" sz="2400" dirty="0" smtClean="0"/>
+              <a:t> </a:t>
+            </a:r>
+            <a:r>
+              <a:rPr lang="en-US" sz="2400" dirty="0" err="1" smtClean="0"/>
+              <a:t>bệnh</a:t>
+            </a:r>
+            <a:r>
+              <a:rPr lang="en-US" sz="2400" dirty="0" smtClean="0"/>
+              <a:t> </a:t>
+            </a:r>
+            <a:r>
+              <a:rPr lang="en-US" sz="2400" dirty="0" err="1" smtClean="0"/>
+              <a:t>nhân</a:t>
+            </a:r>
+            <a:endParaRPr lang="en-US" sz="2400" dirty="0" smtClean="0"/>
           </a:p>
           <a:p>
             <a:pPr marL="457200" indent="-457200">
@@ -10435,8 +11952,28 @@
               <a:defRPr/>
             </a:pPr>
             <a:r>
-              <a:rPr lang="en-US" sz="2800" smtClean="0"/>
-              <a:t>Đặc trưng lớp Problem/Treatment/Test</a:t>
+              <a:rPr lang="en-US" sz="2800" dirty="0" err="1" smtClean="0"/>
+              <a:t>Đặc</a:t>
+            </a:r>
+            <a:r>
+              <a:rPr lang="en-US" sz="2800" dirty="0" smtClean="0"/>
+              <a:t> </a:t>
+            </a:r>
+            <a:r>
+              <a:rPr lang="en-US" sz="2800" dirty="0" err="1" smtClean="0"/>
+              <a:t>trưng</a:t>
+            </a:r>
+            <a:r>
+              <a:rPr lang="en-US" sz="2800" dirty="0" smtClean="0"/>
+              <a:t> </a:t>
+            </a:r>
+            <a:r>
+              <a:rPr lang="en-US" sz="2800" dirty="0" err="1" smtClean="0"/>
+              <a:t>lớp</a:t>
+            </a:r>
+            <a:r>
+              <a:rPr lang="en-US" sz="2800" dirty="0" smtClean="0"/>
+              <a:t> Problem/Treatment/Test</a:t>
             </a:r>
           </a:p>
           <a:p>
@@ -10449,9 +11986,82 @@
               <a:defRPr/>
             </a:pPr>
             <a:r>
-              <a:rPr lang="en-US" sz="2400" smtClean="0"/>
-              <a:t>Một số lượng lớn các từ đồng nghĩa, viết tắt</a:t>
-            </a:r>
+              <a:rPr lang="en-US" sz="2400" dirty="0" err="1" smtClean="0"/>
+              <a:t>Một</a:t>
+            </a:r>
+            <a:r>
+              <a:rPr lang="en-US" sz="2400" dirty="0" smtClean="0"/>
+              <a:t> </a:t>
+            </a:r>
+            <a:r>
+              <a:rPr lang="en-US" sz="2400" dirty="0" err="1" smtClean="0"/>
+              <a:t>số</a:t>
+            </a:r>
+            <a:r>
+              <a:rPr lang="en-US" sz="2400" dirty="0" smtClean="0"/>
+              <a:t> </a:t>
+            </a:r>
+            <a:r>
+              <a:rPr lang="en-US" sz="2400" dirty="0" err="1" smtClean="0"/>
+              <a:t>lượng</a:t>
+            </a:r>
+            <a:r>
+              <a:rPr lang="en-US" sz="2400" dirty="0" smtClean="0"/>
+              <a:t> </a:t>
+            </a:r>
+            <a:r>
+              <a:rPr lang="en-US" sz="2400" dirty="0" err="1" smtClean="0"/>
+              <a:t>lớn</a:t>
+            </a:r>
+            <a:r>
+              <a:rPr lang="en-US" sz="2400" dirty="0" smtClean="0"/>
+              <a:t> </a:t>
+            </a:r>
+            <a:r>
+              <a:rPr lang="en-US" sz="2400" dirty="0" err="1" smtClean="0"/>
+              <a:t>các</a:t>
+            </a:r>
+            <a:r>
+              <a:rPr lang="en-US" sz="2400" dirty="0" smtClean="0"/>
+              <a:t> </a:t>
+            </a:r>
+            <a:r>
+              <a:rPr lang="en-US" sz="2400" dirty="0" err="1" smtClean="0"/>
+              <a:t>từ</a:t>
+            </a:r>
+            <a:r>
+              <a:rPr lang="en-US" sz="2400" dirty="0" smtClean="0"/>
+              <a:t> </a:t>
+            </a:r>
+            <a:r>
+              <a:rPr lang="en-US" sz="2400" dirty="0" err="1" smtClean="0"/>
+              <a:t>đồng</a:t>
+            </a:r>
+            <a:r>
+              <a:rPr lang="en-US" sz="2400" dirty="0" smtClean="0"/>
+              <a:t> </a:t>
+            </a:r>
+            <a:r>
+              <a:rPr lang="en-US" sz="2400" dirty="0" err="1" smtClean="0"/>
+              <a:t>nghĩa</a:t>
+            </a:r>
+            <a:r>
+              <a:rPr lang="en-US" sz="2400" dirty="0" smtClean="0"/>
+              <a:t>, </a:t>
+            </a:r>
+            <a:r>
+              <a:rPr lang="en-US" sz="2400" dirty="0" err="1" smtClean="0"/>
+              <a:t>viết</a:t>
+            </a:r>
+            <a:r>
+              <a:rPr lang="en-US" sz="2400" dirty="0" smtClean="0"/>
+              <a:t> </a:t>
+            </a:r>
+            <a:r>
+              <a:rPr lang="en-US" sz="2400" dirty="0" err="1" smtClean="0"/>
+              <a:t>tắt</a:t>
+            </a:r>
+            <a:endParaRPr lang="en-US" sz="2400" dirty="0" smtClean="0"/>
           </a:p>
           <a:p>
             <a:pPr marL="914400" lvl="1" indent="-457200">
@@ -10463,9 +12073,34 @@
               <a:defRPr/>
             </a:pPr>
             <a:r>
-              <a:rPr lang="en-US" sz="2400" smtClean="0"/>
-              <a:t>Phụ thuộc ngữ cảnh</a:t>
-            </a:r>
+              <a:rPr lang="en-US" sz="2400" dirty="0" err="1" smtClean="0"/>
+              <a:t>Phụ</a:t>
+            </a:r>
+            <a:r>
+              <a:rPr lang="en-US" sz="2400" dirty="0" smtClean="0"/>
+              <a:t> </a:t>
+            </a:r>
+            <a:r>
+              <a:rPr lang="en-US" sz="2400" dirty="0" err="1" smtClean="0"/>
+              <a:t>thuộc</a:t>
+            </a:r>
+            <a:r>
+              <a:rPr lang="en-US" sz="2400" dirty="0" smtClean="0"/>
+              <a:t> </a:t>
+            </a:r>
+            <a:r>
+              <a:rPr lang="en-US" sz="2400" dirty="0" err="1" smtClean="0"/>
+              <a:t>ngữ</a:t>
+            </a:r>
+            <a:r>
+              <a:rPr lang="en-US" sz="2400" dirty="0" smtClean="0"/>
+              <a:t> </a:t>
+            </a:r>
+            <a:r>
+              <a:rPr lang="en-US" sz="2400" dirty="0" err="1" smtClean="0"/>
+              <a:t>cảnh</a:t>
+            </a:r>
+            <a:endParaRPr lang="en-US" sz="2400" dirty="0" smtClean="0"/>
           </a:p>
           <a:p>
             <a:pPr marL="457200" indent="-457200">
@@ -10477,9 +12112,34 @@
               <a:defRPr/>
             </a:pPr>
             <a:r>
-              <a:rPr lang="en-US" sz="2800" smtClean="0"/>
-              <a:t>Đặc trưng lớp Pronoun</a:t>
-            </a:r>
+              <a:rPr lang="en-US" sz="2800" dirty="0" err="1" smtClean="0"/>
+              <a:t>Đặc</a:t>
+            </a:r>
+            <a:r>
+              <a:rPr lang="en-US" sz="2800" dirty="0" smtClean="0"/>
+              <a:t> </a:t>
+            </a:r>
+            <a:r>
+              <a:rPr lang="en-US" sz="2800" dirty="0" err="1" smtClean="0"/>
+              <a:t>trưng</a:t>
+            </a:r>
+            <a:r>
+              <a:rPr lang="en-US" sz="2800" dirty="0" smtClean="0"/>
+              <a:t> </a:t>
+            </a:r>
+            <a:r>
+              <a:rPr lang="en-US" sz="2800" dirty="0" err="1" smtClean="0"/>
+              <a:t>lớp</a:t>
+            </a:r>
+            <a:r>
+              <a:rPr lang="en-US" sz="2800" dirty="0" smtClean="0"/>
+              <a:t> </a:t>
+            </a:r>
+            <a:r>
+              <a:rPr lang="en-US" sz="2800" dirty="0" smtClean="0"/>
+              <a:t>Pronoun</a:t>
+            </a:r>
+            <a:endParaRPr lang="en-US" sz="2800" dirty="0" smtClean="0"/>
           </a:p>
           <a:p>
             <a:pPr marL="914400" lvl="1" indent="-457200">
@@ -10491,9 +12151,86 @@
               <a:defRPr/>
             </a:pPr>
             <a:r>
-              <a:rPr lang="en-US" sz="2400" smtClean="0"/>
-              <a:t>Tham chiếu tới khái niệm ở gần nó nhất</a:t>
-            </a:r>
+              <a:rPr lang="en-US" sz="2400" dirty="0" err="1" smtClean="0"/>
+              <a:t>Tham</a:t>
+            </a:r>
+            <a:r>
+              <a:rPr lang="en-US" sz="2400" dirty="0" smtClean="0"/>
+              <a:t> </a:t>
+            </a:r>
+            <a:r>
+              <a:rPr lang="en-US" sz="2400" dirty="0" err="1" smtClean="0"/>
+              <a:t>chiếu</a:t>
+            </a:r>
+            <a:r>
+              <a:rPr lang="en-US" sz="2400" dirty="0" smtClean="0"/>
+              <a:t> </a:t>
+            </a:r>
+            <a:r>
+              <a:rPr lang="en-US" sz="2400" dirty="0" err="1" smtClean="0"/>
+              <a:t>tới</a:t>
+            </a:r>
+            <a:r>
+              <a:rPr lang="en-US" sz="2400" dirty="0" smtClean="0"/>
+              <a:t> </a:t>
+            </a:r>
+            <a:r>
+              <a:rPr lang="en-US" sz="2400" dirty="0" err="1" smtClean="0"/>
+              <a:t>khái</a:t>
+            </a:r>
+            <a:r>
+              <a:rPr lang="en-US" sz="2400" dirty="0" smtClean="0"/>
+              <a:t> </a:t>
+            </a:r>
+            <a:r>
+              <a:rPr lang="en-US" sz="2400" dirty="0" err="1" smtClean="0"/>
+              <a:t>niệm</a:t>
+            </a:r>
+            <a:r>
+              <a:rPr lang="en-US" sz="2400" dirty="0" smtClean="0"/>
+              <a:t> </a:t>
+            </a:r>
+            <a:r>
+              <a:rPr lang="en-US" sz="2400" dirty="0" err="1" smtClean="0"/>
+              <a:t>cùng</a:t>
+            </a:r>
+            <a:r>
+              <a:rPr lang="en-US" sz="2400" dirty="0" smtClean="0"/>
+              <a:t> </a:t>
+            </a:r>
+            <a:r>
+              <a:rPr lang="en-US" sz="2400" dirty="0" err="1" smtClean="0"/>
+              <a:t>lớp</a:t>
+            </a:r>
+            <a:r>
+              <a:rPr lang="en-US" sz="2400" dirty="0" smtClean="0"/>
+              <a:t> </a:t>
+            </a:r>
+            <a:r>
+              <a:rPr lang="en-US" sz="2400" dirty="0" smtClean="0"/>
+              <a:t>ở </a:t>
+            </a:r>
+            <a:r>
+              <a:rPr lang="en-US" sz="2400" dirty="0" err="1" smtClean="0"/>
+              <a:t>gần</a:t>
+            </a:r>
+            <a:r>
+              <a:rPr lang="en-US" sz="2400" dirty="0" smtClean="0"/>
+              <a:t> </a:t>
+            </a:r>
+            <a:r>
+              <a:rPr lang="en-US" sz="2400" dirty="0" err="1" smtClean="0"/>
+              <a:t>nó</a:t>
+            </a:r>
+            <a:r>
+              <a:rPr lang="en-US" sz="2400" dirty="0" smtClean="0"/>
+              <a:t> </a:t>
+            </a:r>
+            <a:r>
+              <a:rPr lang="en-US" sz="2400" dirty="0" err="1" smtClean="0"/>
+              <a:t>nhất</a:t>
+            </a:r>
+            <a:endParaRPr lang="en-US" sz="2400" dirty="0" smtClean="0"/>
           </a:p>
         </p:txBody>
       </p:sp>

--- a/reports/tttn/thay_tru_v2.pptx
+++ b/reports/tttn/thay_tru_v2.pptx
@@ -5,10 +5,10 @@
     <p:sldMasterId id="2147483648" r:id="rId1"/>
   </p:sldMasterIdLst>
   <p:notesMasterIdLst>
-    <p:notesMasterId r:id="rId14"/>
+    <p:notesMasterId r:id="rId15"/>
   </p:notesMasterIdLst>
   <p:handoutMasterIdLst>
-    <p:handoutMasterId r:id="rId15"/>
+    <p:handoutMasterId r:id="rId16"/>
   </p:handoutMasterIdLst>
   <p:sldIdLst>
     <p:sldId id="256" r:id="rId2"/>
@@ -20,9 +20,10 @@
     <p:sldId id="273" r:id="rId8"/>
     <p:sldId id="282" r:id="rId9"/>
     <p:sldId id="283" r:id="rId10"/>
-    <p:sldId id="277" r:id="rId11"/>
-    <p:sldId id="279" r:id="rId12"/>
-    <p:sldId id="281" r:id="rId13"/>
+    <p:sldId id="284" r:id="rId11"/>
+    <p:sldId id="277" r:id="rId12"/>
+    <p:sldId id="279" r:id="rId13"/>
+    <p:sldId id="281" r:id="rId14"/>
   </p:sldIdLst>
   <p:sldSz cx="9144000" cy="6858000" type="screen4x3"/>
   <p:notesSz cx="6858000" cy="9144000"/>
@@ -222,7 +223,7 @@
           <a:p>
             <a:fld id="{2A963989-F51D-4B78-87A0-2B42C235069E}" type="datetimeFigureOut">
               <a:rPr lang="en-US" smtClean="0"/>
-              <a:t>15-Jun-15</a:t>
+              <a:t>17-Jun-15</a:t>
             </a:fld>
             <a:endParaRPr lang="en-US"/>
           </a:p>
@@ -388,7 +389,7 @@
             <a:fld id="{69F8ADEE-DA6F-479F-9793-942DFE9100E4}" type="datetimeFigureOut">
               <a:rPr lang="en-US" smtClean="0"/>
               <a:pPr/>
-              <a:t>15-Jun-15</a:t>
+              <a:t>17-Jun-15</a:t>
             </a:fld>
             <a:endParaRPr lang="en-US"/>
           </a:p>
@@ -817,7 +818,7 @@
     </p:spTree>
     <p:extLst>
       <p:ext uri="{BB962C8B-B14F-4D97-AF65-F5344CB8AC3E}">
-        <p14:creationId xmlns:p14="http://schemas.microsoft.com/office/powerpoint/2010/main" val="1451443193"/>
+        <p14:creationId xmlns:p14="http://schemas.microsoft.com/office/powerpoint/2010/main" val="3405248922"/>
       </p:ext>
     </p:extLst>
   </p:cSld>
@@ -902,7 +903,7 @@
     </p:spTree>
     <p:extLst>
       <p:ext uri="{BB962C8B-B14F-4D97-AF65-F5344CB8AC3E}">
-        <p14:creationId xmlns:p14="http://schemas.microsoft.com/office/powerpoint/2010/main" val="2221659318"/>
+        <p14:creationId xmlns:p14="http://schemas.microsoft.com/office/powerpoint/2010/main" val="1451443193"/>
       </p:ext>
     </p:extLst>
   </p:cSld>
@@ -979,6 +980,91 @@
               <a:rPr lang="en-US" smtClean="0"/>
               <a:pPr/>
               <a:t>12</a:t>
+            </a:fld>
+            <a:endParaRPr lang="en-US"/>
+          </a:p>
+        </p:txBody>
+      </p:sp>
+    </p:spTree>
+    <p:extLst>
+      <p:ext uri="{BB962C8B-B14F-4D97-AF65-F5344CB8AC3E}">
+        <p14:creationId xmlns:p14="http://schemas.microsoft.com/office/powerpoint/2010/main" val="2221659318"/>
+      </p:ext>
+    </p:extLst>
+  </p:cSld>
+  <p:clrMapOvr>
+    <a:masterClrMapping/>
+  </p:clrMapOvr>
+</p:notes>
+</file>
+
+<file path=ppt/notesSlides/notesSlide13.xml><?xml version="1.0" encoding="utf-8"?>
+<p:notes xmlns:a="http://schemas.openxmlformats.org/drawingml/2006/main" xmlns:r="http://schemas.openxmlformats.org/officeDocument/2006/relationships" xmlns:p="http://schemas.openxmlformats.org/presentationml/2006/main">
+  <p:cSld>
+    <p:spTree>
+      <p:nvGrpSpPr>
+        <p:cNvPr id="1" name=""/>
+        <p:cNvGrpSpPr/>
+        <p:nvPr/>
+      </p:nvGrpSpPr>
+      <p:grpSpPr>
+        <a:xfrm>
+          <a:off x="0" y="0"/>
+          <a:ext cx="0" cy="0"/>
+          <a:chOff x="0" y="0"/>
+          <a:chExt cx="0" cy="0"/>
+        </a:xfrm>
+      </p:grpSpPr>
+      <p:sp>
+        <p:nvSpPr>
+          <p:cNvPr id="2" name="Slide Image Placeholder 1"/>
+          <p:cNvSpPr>
+            <a:spLocks noGrp="1" noRot="1" noChangeAspect="1"/>
+          </p:cNvSpPr>
+          <p:nvPr>
+            <p:ph type="sldImg"/>
+          </p:nvPr>
+        </p:nvSpPr>
+        <p:spPr/>
+      </p:sp>
+      <p:sp>
+        <p:nvSpPr>
+          <p:cNvPr id="3" name="Notes Placeholder 2"/>
+          <p:cNvSpPr>
+            <a:spLocks noGrp="1"/>
+          </p:cNvSpPr>
+          <p:nvPr>
+            <p:ph type="body" idx="1"/>
+          </p:nvPr>
+        </p:nvSpPr>
+        <p:spPr/>
+        <p:txBody>
+          <a:bodyPr/>
+          <a:lstStyle/>
+          <a:p>
+            <a:endParaRPr lang="en-US" dirty="0"/>
+          </a:p>
+        </p:txBody>
+      </p:sp>
+      <p:sp>
+        <p:nvSpPr>
+          <p:cNvPr id="4" name="Slide Number Placeholder 3"/>
+          <p:cNvSpPr>
+            <a:spLocks noGrp="1"/>
+          </p:cNvSpPr>
+          <p:nvPr>
+            <p:ph type="sldNum" sz="quarter" idx="10"/>
+          </p:nvPr>
+        </p:nvSpPr>
+        <p:spPr/>
+        <p:txBody>
+          <a:bodyPr/>
+          <a:lstStyle/>
+          <a:p>
+            <a:fld id="{1E8A25F1-B488-4B6B-A919-7989C5970A23}" type="slidenum">
+              <a:rPr lang="en-US" smtClean="0"/>
+              <a:pPr/>
+              <a:t>13</a:t>
             </a:fld>
             <a:endParaRPr lang="en-US"/>
           </a:p>
@@ -2006,7 +2092,7 @@
           <a:p>
             <a:fld id="{B65EC3BD-4A04-42F2-9937-D2ABD88EB778}" type="datetime1">
               <a:rPr lang="en-US" smtClean="0"/>
-              <a:t>15-Jun-15</a:t>
+              <a:t>17-Jun-15</a:t>
             </a:fld>
             <a:endParaRPr lang="en-US"/>
           </a:p>
@@ -2167,7 +2253,7 @@
           <a:p>
             <a:fld id="{8643921A-402A-48AB-BAEE-852F9B9B0F7E}" type="datetime1">
               <a:rPr lang="en-US" smtClean="0"/>
-              <a:t>15-Jun-15</a:t>
+              <a:t>17-Jun-15</a:t>
             </a:fld>
             <a:endParaRPr lang="en-US"/>
           </a:p>
@@ -2343,7 +2429,7 @@
           <a:p>
             <a:fld id="{CA1CE08C-026F-4BD9-B84F-C6D4B77E740D}" type="datetime1">
               <a:rPr lang="en-US" smtClean="0"/>
-              <a:t>15-Jun-15</a:t>
+              <a:t>17-Jun-15</a:t>
             </a:fld>
             <a:endParaRPr lang="en-US"/>
           </a:p>
@@ -2509,7 +2595,7 @@
           <a:p>
             <a:fld id="{92F9EC45-0F5D-4AED-BD48-802B04DDCA02}" type="datetime1">
               <a:rPr lang="en-US" smtClean="0"/>
-              <a:t>15-Jun-15</a:t>
+              <a:t>17-Jun-15</a:t>
             </a:fld>
             <a:endParaRPr lang="en-US"/>
           </a:p>
@@ -2751,7 +2837,7 @@
           <a:p>
             <a:fld id="{B5BA1394-E84E-4B9F-9128-D0725CA254B0}" type="datetime1">
               <a:rPr lang="en-US" smtClean="0"/>
-              <a:t>15-Jun-15</a:t>
+              <a:t>17-Jun-15</a:t>
             </a:fld>
             <a:endParaRPr lang="en-US"/>
           </a:p>
@@ -3035,7 +3121,7 @@
           <a:p>
             <a:fld id="{F7D3380D-B93E-479B-B463-98E5D24200DC}" type="datetime1">
               <a:rPr lang="en-US" smtClean="0"/>
-              <a:t>15-Jun-15</a:t>
+              <a:t>17-Jun-15</a:t>
             </a:fld>
             <a:endParaRPr lang="en-US"/>
           </a:p>
@@ -3453,7 +3539,7 @@
           <a:p>
             <a:fld id="{6295D9B5-331B-4EF8-A768-FA6F9B48D031}" type="datetime1">
               <a:rPr lang="en-US" smtClean="0"/>
-              <a:t>15-Jun-15</a:t>
+              <a:t>17-Jun-15</a:t>
             </a:fld>
             <a:endParaRPr lang="en-US"/>
           </a:p>
@@ -3567,7 +3653,7 @@
           <a:p>
             <a:fld id="{FD27ECF8-9A84-4F75-9AC1-2E63C49A7960}" type="datetime1">
               <a:rPr lang="en-US" smtClean="0"/>
-              <a:t>15-Jun-15</a:t>
+              <a:t>17-Jun-15</a:t>
             </a:fld>
             <a:endParaRPr lang="en-US"/>
           </a:p>
@@ -3658,7 +3744,7 @@
           <a:p>
             <a:fld id="{9E3D8D00-E399-4D92-85D1-29CA4F08D160}" type="datetime1">
               <a:rPr lang="en-US" smtClean="0"/>
-              <a:t>15-Jun-15</a:t>
+              <a:t>17-Jun-15</a:t>
             </a:fld>
             <a:endParaRPr lang="en-US"/>
           </a:p>
@@ -3931,7 +4017,7 @@
           <a:p>
             <a:fld id="{8D4262DB-A5E7-46F9-9321-E7339F471910}" type="datetime1">
               <a:rPr lang="en-US" smtClean="0"/>
-              <a:t>15-Jun-15</a:t>
+              <a:t>17-Jun-15</a:t>
             </a:fld>
             <a:endParaRPr lang="en-US"/>
           </a:p>
@@ -4180,7 +4266,7 @@
           <a:p>
             <a:fld id="{A1B7FF65-AFCA-4005-9416-7F0863B45A83}" type="datetime1">
               <a:rPr lang="en-US" smtClean="0"/>
-              <a:t>15-Jun-15</a:t>
+              <a:t>17-Jun-15</a:t>
             </a:fld>
             <a:endParaRPr lang="en-US"/>
           </a:p>
@@ -4389,7 +4475,7 @@
           <a:p>
             <a:fld id="{02839B0C-0A1A-4F29-BE6D-285F3581F013}" type="datetime1">
               <a:rPr lang="en-US" smtClean="0"/>
-              <a:t>15-Jun-15</a:t>
+              <a:t>17-Jun-15</a:t>
             </a:fld>
             <a:endParaRPr lang="en-US"/>
           </a:p>
@@ -5731,6 +5817,591 @@
           <a:lstStyle/>
           <a:p>
             <a:r>
+              <a:rPr lang="en-US" sz="4000" b="1" smtClean="0">
+                <a:solidFill>
+                  <a:schemeClr val="bg1"/>
+                </a:solidFill>
+              </a:rPr>
+              <a:t>Phương pháp đề xuất</a:t>
+            </a:r>
+            <a:endParaRPr lang="en-US" sz="4000" b="1" dirty="0">
+              <a:solidFill>
+                <a:schemeClr val="bg1"/>
+              </a:solidFill>
+            </a:endParaRPr>
+          </a:p>
+        </p:txBody>
+      </p:sp>
+      <p:sp>
+        <p:nvSpPr>
+          <p:cNvPr id="8" name="Rectangle 8"/>
+          <p:cNvSpPr txBox="1">
+            <a:spLocks/>
+          </p:cNvSpPr>
+          <p:nvPr/>
+        </p:nvSpPr>
+        <p:spPr>
+          <a:xfrm>
+            <a:off x="685799" y="1371600"/>
+            <a:ext cx="8262981" cy="4800600"/>
+          </a:xfrm>
+          <a:prstGeom prst="rect">
+            <a:avLst/>
+          </a:prstGeom>
+        </p:spPr>
+        <p:txBody>
+          <a:bodyPr vert="horz" lIns="91440" tIns="45720" rIns="91440" bIns="45720" rtlCol="0">
+            <a:normAutofit/>
+          </a:bodyPr>
+          <a:lstStyle/>
+          <a:p>
+            <a:pPr marL="457200" indent="-457200">
+              <a:spcBef>
+                <a:spcPct val="20000"/>
+              </a:spcBef>
+              <a:buFont typeface="Arial" panose="020B0604020202020204" pitchFamily="34" charset="0"/>
+              <a:buChar char="•"/>
+              <a:defRPr/>
+            </a:pPr>
+            <a:r>
+              <a:rPr lang="en-US" sz="3200" dirty="0" err="1"/>
+              <a:t>Đặc</a:t>
+            </a:r>
+            <a:r>
+              <a:rPr lang="en-US" sz="3200" dirty="0"/>
+              <a:t> </a:t>
+            </a:r>
+            <a:r>
+              <a:rPr lang="en-US" sz="3200" dirty="0" err="1"/>
+              <a:t>trưng</a:t>
+            </a:r>
+            <a:r>
+              <a:rPr lang="en-US" sz="3200" dirty="0"/>
+              <a:t> </a:t>
+            </a:r>
+            <a:r>
+              <a:rPr lang="en-US" sz="3200" dirty="0" err="1"/>
+              <a:t>lớp</a:t>
+            </a:r>
+            <a:r>
+              <a:rPr lang="en-US" sz="3200" dirty="0"/>
+              <a:t> Person</a:t>
+            </a:r>
+          </a:p>
+          <a:p>
+            <a:pPr marL="914400" lvl="1" indent="-457200">
+              <a:spcBef>
+                <a:spcPct val="20000"/>
+              </a:spcBef>
+              <a:buFont typeface="Arial" panose="020B0604020202020204" pitchFamily="34" charset="0"/>
+              <a:buChar char="•"/>
+              <a:defRPr/>
+            </a:pPr>
+            <a:r>
+              <a:rPr lang="en-US" sz="2800" dirty="0" err="1"/>
+              <a:t>Tồn</a:t>
+            </a:r>
+            <a:r>
+              <a:rPr lang="en-US" sz="2800" dirty="0"/>
+              <a:t> </a:t>
+            </a:r>
+            <a:r>
+              <a:rPr lang="en-US" sz="2800" dirty="0" err="1"/>
+              <a:t>tại</a:t>
+            </a:r>
+            <a:r>
+              <a:rPr lang="en-US" sz="2800" dirty="0"/>
+              <a:t> </a:t>
+            </a:r>
+            <a:r>
+              <a:rPr lang="en-US" sz="2800" dirty="0" err="1"/>
+              <a:t>một</a:t>
+            </a:r>
+            <a:r>
+              <a:rPr lang="en-US" sz="2800" dirty="0"/>
+              <a:t> </a:t>
+            </a:r>
+            <a:r>
+              <a:rPr lang="en-US" sz="2800" dirty="0" err="1"/>
+              <a:t>chuỗi</a:t>
+            </a:r>
+            <a:r>
+              <a:rPr lang="en-US" sz="2800" dirty="0"/>
+              <a:t> </a:t>
+            </a:r>
+            <a:r>
+              <a:rPr lang="en-US" sz="2800" dirty="0" err="1"/>
+              <a:t>đồng</a:t>
+            </a:r>
+            <a:r>
+              <a:rPr lang="en-US" sz="2800" dirty="0"/>
+              <a:t> </a:t>
+            </a:r>
+            <a:r>
+              <a:rPr lang="en-US" sz="2800" dirty="0" err="1"/>
+              <a:t>tham</a:t>
+            </a:r>
+            <a:r>
+              <a:rPr lang="en-US" sz="2800" dirty="0"/>
+              <a:t> </a:t>
+            </a:r>
+            <a:r>
+              <a:rPr lang="en-US" sz="2800" dirty="0" err="1"/>
+              <a:t>chiếu</a:t>
+            </a:r>
+            <a:r>
+              <a:rPr lang="en-US" sz="2800" dirty="0"/>
+              <a:t> </a:t>
+            </a:r>
+            <a:r>
+              <a:rPr lang="en-US" sz="2800" dirty="0" err="1"/>
+              <a:t>lớn</a:t>
+            </a:r>
+            <a:r>
+              <a:rPr lang="en-US" sz="2800" dirty="0"/>
+              <a:t> </a:t>
+            </a:r>
+            <a:r>
+              <a:rPr lang="en-US" sz="2800" dirty="0" err="1"/>
+              <a:t>chỉ</a:t>
+            </a:r>
+            <a:r>
+              <a:rPr lang="en-US" sz="2800" dirty="0"/>
+              <a:t> </a:t>
+            </a:r>
+            <a:r>
+              <a:rPr lang="en-US" sz="2800" dirty="0" err="1"/>
+              <a:t>về</a:t>
+            </a:r>
+            <a:r>
+              <a:rPr lang="en-US" sz="2800" dirty="0"/>
+              <a:t> </a:t>
+            </a:r>
+            <a:r>
+              <a:rPr lang="en-US" sz="2800" dirty="0" err="1"/>
+              <a:t>bệnh</a:t>
+            </a:r>
+            <a:r>
+              <a:rPr lang="en-US" sz="2800" dirty="0"/>
+              <a:t> </a:t>
+            </a:r>
+            <a:r>
+              <a:rPr lang="en-US" sz="2800" dirty="0" err="1"/>
+              <a:t>nhân</a:t>
+            </a:r>
+            <a:endParaRPr lang="en-US" sz="2800" dirty="0"/>
+          </a:p>
+          <a:p>
+            <a:pPr marL="457200" indent="-457200">
+              <a:spcBef>
+                <a:spcPct val="20000"/>
+              </a:spcBef>
+              <a:buFont typeface="Arial" panose="020B0604020202020204" pitchFamily="34" charset="0"/>
+              <a:buChar char="•"/>
+              <a:defRPr/>
+            </a:pPr>
+            <a:r>
+              <a:rPr lang="en-US" sz="3200" dirty="0" err="1"/>
+              <a:t>Đặc</a:t>
+            </a:r>
+            <a:r>
+              <a:rPr lang="en-US" sz="3200" dirty="0"/>
+              <a:t> </a:t>
+            </a:r>
+            <a:r>
+              <a:rPr lang="en-US" sz="3200" dirty="0" err="1"/>
+              <a:t>trưng</a:t>
+            </a:r>
+            <a:r>
+              <a:rPr lang="en-US" sz="3200" dirty="0"/>
+              <a:t> </a:t>
+            </a:r>
+            <a:r>
+              <a:rPr lang="en-US" sz="3200" dirty="0" err="1"/>
+              <a:t>lớp</a:t>
+            </a:r>
+            <a:r>
+              <a:rPr lang="en-US" sz="3200" dirty="0"/>
+              <a:t> Problem/Treatment/Test</a:t>
+            </a:r>
+          </a:p>
+          <a:p>
+            <a:pPr marL="914400" lvl="1" indent="-457200">
+              <a:spcBef>
+                <a:spcPct val="20000"/>
+              </a:spcBef>
+              <a:buFont typeface="Arial" panose="020B0604020202020204" pitchFamily="34" charset="0"/>
+              <a:buChar char="•"/>
+              <a:defRPr/>
+            </a:pPr>
+            <a:r>
+              <a:rPr lang="en-US" sz="2800" dirty="0" err="1"/>
+              <a:t>Một</a:t>
+            </a:r>
+            <a:r>
+              <a:rPr lang="en-US" sz="2800" dirty="0"/>
+              <a:t> </a:t>
+            </a:r>
+            <a:r>
+              <a:rPr lang="en-US" sz="2800" dirty="0" err="1"/>
+              <a:t>số</a:t>
+            </a:r>
+            <a:r>
+              <a:rPr lang="en-US" sz="2800" dirty="0"/>
+              <a:t> </a:t>
+            </a:r>
+            <a:r>
+              <a:rPr lang="en-US" sz="2800" dirty="0" err="1"/>
+              <a:t>lượng</a:t>
+            </a:r>
+            <a:r>
+              <a:rPr lang="en-US" sz="2800" dirty="0"/>
+              <a:t> </a:t>
+            </a:r>
+            <a:r>
+              <a:rPr lang="en-US" sz="2800" dirty="0" err="1"/>
+              <a:t>lớn</a:t>
+            </a:r>
+            <a:r>
+              <a:rPr lang="en-US" sz="2800" dirty="0"/>
+              <a:t> </a:t>
+            </a:r>
+            <a:r>
+              <a:rPr lang="en-US" sz="2800" dirty="0" err="1"/>
+              <a:t>các</a:t>
+            </a:r>
+            <a:r>
+              <a:rPr lang="en-US" sz="2800" dirty="0"/>
+              <a:t> </a:t>
+            </a:r>
+            <a:r>
+              <a:rPr lang="en-US" sz="2800" dirty="0" err="1"/>
+              <a:t>từ</a:t>
+            </a:r>
+            <a:r>
+              <a:rPr lang="en-US" sz="2800" dirty="0"/>
+              <a:t> </a:t>
+            </a:r>
+            <a:r>
+              <a:rPr lang="en-US" sz="2800" dirty="0" err="1"/>
+              <a:t>đồng</a:t>
+            </a:r>
+            <a:r>
+              <a:rPr lang="en-US" sz="2800" dirty="0"/>
+              <a:t> </a:t>
+            </a:r>
+            <a:r>
+              <a:rPr lang="en-US" sz="2800" dirty="0" err="1"/>
+              <a:t>nghĩa</a:t>
+            </a:r>
+            <a:r>
+              <a:rPr lang="en-US" sz="2800" dirty="0"/>
+              <a:t>, </a:t>
+            </a:r>
+            <a:r>
+              <a:rPr lang="en-US" sz="2800" dirty="0" err="1"/>
+              <a:t>viết</a:t>
+            </a:r>
+            <a:r>
+              <a:rPr lang="en-US" sz="2800" dirty="0"/>
+              <a:t> </a:t>
+            </a:r>
+            <a:r>
+              <a:rPr lang="en-US" sz="2800" dirty="0" err="1"/>
+              <a:t>tắt</a:t>
+            </a:r>
+            <a:endParaRPr lang="en-US" sz="2800" dirty="0"/>
+          </a:p>
+          <a:p>
+            <a:pPr marL="914400" lvl="1" indent="-457200">
+              <a:spcBef>
+                <a:spcPct val="20000"/>
+              </a:spcBef>
+              <a:buFont typeface="Arial" panose="020B0604020202020204" pitchFamily="34" charset="0"/>
+              <a:buChar char="•"/>
+              <a:defRPr/>
+            </a:pPr>
+            <a:r>
+              <a:rPr lang="en-US" sz="2800" dirty="0" err="1"/>
+              <a:t>Phụ</a:t>
+            </a:r>
+            <a:r>
+              <a:rPr lang="en-US" sz="2800" dirty="0"/>
+              <a:t> </a:t>
+            </a:r>
+            <a:r>
+              <a:rPr lang="en-US" sz="2800" dirty="0" err="1"/>
+              <a:t>thuộc</a:t>
+            </a:r>
+            <a:r>
+              <a:rPr lang="en-US" sz="2800" dirty="0"/>
+              <a:t> </a:t>
+            </a:r>
+            <a:r>
+              <a:rPr lang="en-US" sz="2800" dirty="0" err="1"/>
+              <a:t>ngữ</a:t>
+            </a:r>
+            <a:r>
+              <a:rPr lang="en-US" sz="2800" dirty="0"/>
+              <a:t> </a:t>
+            </a:r>
+            <a:r>
+              <a:rPr lang="en-US" sz="2800" dirty="0" err="1"/>
+              <a:t>cảnh</a:t>
+            </a:r>
+            <a:endParaRPr lang="en-US" sz="2800" dirty="0"/>
+          </a:p>
+          <a:p>
+            <a:pPr marL="457200" indent="-457200">
+              <a:spcBef>
+                <a:spcPct val="20000"/>
+              </a:spcBef>
+              <a:buFont typeface="Arial" panose="020B0604020202020204" pitchFamily="34" charset="0"/>
+              <a:buChar char="•"/>
+              <a:defRPr/>
+            </a:pPr>
+            <a:r>
+              <a:rPr lang="en-US" sz="3200" dirty="0" err="1"/>
+              <a:t>Đặc</a:t>
+            </a:r>
+            <a:r>
+              <a:rPr lang="en-US" sz="3200" dirty="0"/>
+              <a:t> </a:t>
+            </a:r>
+            <a:r>
+              <a:rPr lang="en-US" sz="3200" dirty="0" err="1"/>
+              <a:t>trưng</a:t>
+            </a:r>
+            <a:r>
+              <a:rPr lang="en-US" sz="3200" dirty="0"/>
+              <a:t> </a:t>
+            </a:r>
+            <a:r>
+              <a:rPr lang="en-US" sz="3200" dirty="0" err="1"/>
+              <a:t>lớp</a:t>
+            </a:r>
+            <a:r>
+              <a:rPr lang="en-US" sz="3200" dirty="0"/>
+              <a:t> Pronoun</a:t>
+            </a:r>
+          </a:p>
+          <a:p>
+            <a:pPr marL="914400" lvl="1" indent="-457200">
+              <a:spcBef>
+                <a:spcPct val="20000"/>
+              </a:spcBef>
+              <a:buFont typeface="Arial" panose="020B0604020202020204" pitchFamily="34" charset="0"/>
+              <a:buChar char="•"/>
+              <a:defRPr/>
+            </a:pPr>
+            <a:r>
+              <a:rPr lang="en-US" sz="2800" dirty="0" err="1"/>
+              <a:t>Tham</a:t>
+            </a:r>
+            <a:r>
+              <a:rPr lang="en-US" sz="2800" dirty="0"/>
+              <a:t> </a:t>
+            </a:r>
+            <a:r>
+              <a:rPr lang="en-US" sz="2800" dirty="0" err="1"/>
+              <a:t>chiếu</a:t>
+            </a:r>
+            <a:r>
+              <a:rPr lang="en-US" sz="2800" dirty="0"/>
+              <a:t> </a:t>
+            </a:r>
+            <a:r>
+              <a:rPr lang="en-US" sz="2800" dirty="0" err="1"/>
+              <a:t>tới</a:t>
+            </a:r>
+            <a:r>
+              <a:rPr lang="en-US" sz="2800" dirty="0"/>
+              <a:t> </a:t>
+            </a:r>
+            <a:r>
+              <a:rPr lang="en-US" sz="2800" dirty="0" err="1"/>
+              <a:t>khái</a:t>
+            </a:r>
+            <a:r>
+              <a:rPr lang="en-US" sz="2800" dirty="0"/>
+              <a:t> </a:t>
+            </a:r>
+            <a:r>
+              <a:rPr lang="en-US" sz="2800" dirty="0" err="1"/>
+              <a:t>niệm</a:t>
+            </a:r>
+            <a:r>
+              <a:rPr lang="en-US" sz="2800" dirty="0"/>
+              <a:t> </a:t>
+            </a:r>
+            <a:r>
+              <a:rPr lang="en-US" sz="2800" dirty="0" err="1"/>
+              <a:t>cùng</a:t>
+            </a:r>
+            <a:r>
+              <a:rPr lang="en-US" sz="2800" dirty="0"/>
+              <a:t> </a:t>
+            </a:r>
+            <a:r>
+              <a:rPr lang="en-US" sz="2800" dirty="0" err="1"/>
+              <a:t>lớp</a:t>
+            </a:r>
+            <a:r>
+              <a:rPr lang="en-US" sz="2800" dirty="0"/>
+              <a:t> ở </a:t>
+            </a:r>
+            <a:r>
+              <a:rPr lang="en-US" sz="2800" dirty="0" err="1"/>
+              <a:t>gần</a:t>
+            </a:r>
+            <a:r>
+              <a:rPr lang="en-US" sz="2800" dirty="0"/>
+              <a:t> </a:t>
+            </a:r>
+            <a:r>
+              <a:rPr lang="en-US" sz="2800" dirty="0" err="1"/>
+              <a:t>nó</a:t>
+            </a:r>
+            <a:r>
+              <a:rPr lang="en-US" sz="2800" dirty="0"/>
+              <a:t> </a:t>
+            </a:r>
+            <a:r>
+              <a:rPr lang="en-US" sz="2800" dirty="0" err="1"/>
+              <a:t>nhất</a:t>
+            </a:r>
+            <a:endParaRPr lang="en-US" sz="2800" dirty="0"/>
+          </a:p>
+        </p:txBody>
+      </p:sp>
+    </p:spTree>
+    <p:extLst>
+      <p:ext uri="{BB962C8B-B14F-4D97-AF65-F5344CB8AC3E}">
+        <p14:creationId xmlns:p14="http://schemas.microsoft.com/office/powerpoint/2010/main" val="3956687004"/>
+      </p:ext>
+    </p:extLst>
+  </p:cSld>
+  <p:clrMapOvr>
+    <a:masterClrMapping/>
+  </p:clrMapOvr>
+  <p:timing>
+    <p:tnLst>
+      <p:par>
+        <p:cTn id="1" dur="indefinite" restart="never" nodeType="tmRoot"/>
+      </p:par>
+    </p:tnLst>
+  </p:timing>
+</p:sld>
+</file>
+
+<file path=ppt/slides/slide11.xml><?xml version="1.0" encoding="utf-8"?>
+<p:sld xmlns:a="http://schemas.openxmlformats.org/drawingml/2006/main" xmlns:r="http://schemas.openxmlformats.org/officeDocument/2006/relationships" xmlns:p="http://schemas.openxmlformats.org/presentationml/2006/main">
+  <p:cSld>
+    <p:spTree>
+      <p:nvGrpSpPr>
+        <p:cNvPr id="1" name=""/>
+        <p:cNvGrpSpPr/>
+        <p:nvPr/>
+      </p:nvGrpSpPr>
+      <p:grpSpPr>
+        <a:xfrm>
+          <a:off x="0" y="0"/>
+          <a:ext cx="0" cy="0"/>
+          <a:chOff x="0" y="0"/>
+          <a:chExt cx="0" cy="0"/>
+        </a:xfrm>
+      </p:grpSpPr>
+      <p:sp>
+        <p:nvSpPr>
+          <p:cNvPr id="6" name="Rectangle 9"/>
+          <p:cNvSpPr>
+            <a:spLocks noChangeArrowheads="1"/>
+          </p:cNvSpPr>
+          <p:nvPr/>
+        </p:nvSpPr>
+        <p:spPr bwMode="auto">
+          <a:xfrm>
+            <a:off x="0" y="6400800"/>
+            <a:ext cx="9144000" cy="457200"/>
+          </a:xfrm>
+          <a:prstGeom prst="rect">
+            <a:avLst/>
+          </a:prstGeom>
+          <a:solidFill>
+            <a:schemeClr val="accent1"/>
+          </a:solidFill>
+          <a:ln w="9525" algn="ctr">
+            <a:noFill/>
+            <a:round/>
+            <a:headEnd/>
+            <a:tailEnd/>
+          </a:ln>
+        </p:spPr>
+        <p:txBody>
+          <a:bodyPr/>
+          <a:lstStyle/>
+          <a:p>
+            <a:endParaRPr lang="en-US"/>
+          </a:p>
+        </p:txBody>
+      </p:sp>
+      <p:sp>
+        <p:nvSpPr>
+          <p:cNvPr id="14" name="Rectangle 3"/>
+          <p:cNvSpPr>
+            <a:spLocks/>
+          </p:cNvSpPr>
+          <p:nvPr/>
+        </p:nvSpPr>
+        <p:spPr bwMode="auto">
+          <a:xfrm>
+            <a:off x="-1" y="0"/>
+            <a:ext cx="9155401" cy="838199"/>
+          </a:xfrm>
+          <a:prstGeom prst="rect">
+            <a:avLst/>
+          </a:prstGeom>
+          <a:solidFill>
+            <a:schemeClr val="accent1"/>
+          </a:solidFill>
+          <a:ln w="19050" cap="sq">
+            <a:noFill/>
+            <a:miter lim="800000"/>
+            <a:headEnd/>
+            <a:tailEnd/>
+          </a:ln>
+        </p:spPr>
+        <p:txBody>
+          <a:bodyPr lIns="0" tIns="0" rIns="0" bIns="0"/>
+          <a:lstStyle/>
+          <a:p>
+            <a:endParaRPr lang="en-US" dirty="0"/>
+          </a:p>
+        </p:txBody>
+      </p:sp>
+      <p:sp>
+        <p:nvSpPr>
+          <p:cNvPr id="2" name="TextBox 1"/>
+          <p:cNvSpPr txBox="1"/>
+          <p:nvPr/>
+        </p:nvSpPr>
+        <p:spPr>
+          <a:xfrm>
+            <a:off x="436417" y="65156"/>
+            <a:ext cx="8212281" cy="707886"/>
+          </a:xfrm>
+          <a:prstGeom prst="rect">
+            <a:avLst/>
+          </a:prstGeom>
+          <a:noFill/>
+        </p:spPr>
+        <p:txBody>
+          <a:bodyPr wrap="square" rtlCol="0">
+            <a:spAutoFit/>
+          </a:bodyPr>
+          <a:lstStyle/>
+          <a:p>
+            <a:r>
               <a:rPr lang="en-US" sz="4000" b="1" dirty="0" err="1" smtClean="0">
                 <a:solidFill>
                   <a:schemeClr val="bg1"/>
@@ -5942,7 +6613,7 @@
           <a:graphicData uri="http://schemas.openxmlformats.org/presentationml/2006/ole">
             <mc:AlternateContent xmlns:mc="http://schemas.openxmlformats.org/markup-compatibility/2006">
               <mc:Choice xmlns:v="urn:schemas-microsoft-com:vml" Requires="v">
-                <p:oleObj spid="_x0000_s2107" r:id="rId4" imgW="5505405" imgH="3343454" progId="Visio.Drawing.15">
+                <p:oleObj spid="_x0000_s2112" r:id="rId4" imgW="5505405" imgH="3343454" progId="Visio.Drawing.15">
                   <p:embed/>
                 </p:oleObj>
               </mc:Choice>
@@ -6007,7 +6678,7 @@
 </p:sld>
 </file>
 
-<file path=ppt/slides/slide11.xml><?xml version="1.0" encoding="utf-8"?>
+<file path=ppt/slides/slide12.xml><?xml version="1.0" encoding="utf-8"?>
 <p:sld xmlns:a="http://schemas.openxmlformats.org/drawingml/2006/main" xmlns:r="http://schemas.openxmlformats.org/officeDocument/2006/relationships" xmlns:p="http://schemas.openxmlformats.org/presentationml/2006/main">
   <p:cSld>
     <p:spTree>
@@ -6693,7 +7364,7 @@
 </p:sld>
 </file>
 
-<file path=ppt/slides/slide12.xml><?xml version="1.0" encoding="utf-8"?>
+<file path=ppt/slides/slide13.xml><?xml version="1.0" encoding="utf-8"?>
 <p:sld xmlns:a="http://schemas.openxmlformats.org/drawingml/2006/main" xmlns:r="http://schemas.openxmlformats.org/officeDocument/2006/relationships" xmlns:p="http://schemas.openxmlformats.org/presentationml/2006/main">
   <p:cSld>
     <p:spTree>
@@ -6969,11 +7640,7 @@
             </a:r>
             <a:r>
               <a:rPr lang="en-US" sz="3200" dirty="0" smtClean="0"/>
-              <a:t>F </a:t>
-            </a:r>
-            <a:r>
-              <a:rPr lang="en-US" sz="3200" dirty="0" smtClean="0"/>
-              <a:t>(F-measure)</a:t>
+              <a:t>F (F-measure)</a:t>
             </a:r>
           </a:p>
           <a:p>
@@ -11615,58 +12282,161 @@
               <a:defRPr/>
             </a:pPr>
             <a:r>
-              <a:rPr lang="en-US" sz="2800" dirty="0" err="1" smtClean="0"/>
+              <a:rPr lang="en-US" sz="3200" dirty="0" err="1" smtClean="0"/>
+              <a:t>Phương</a:t>
+            </a:r>
+            <a:r>
+              <a:rPr lang="en-US" sz="3200" dirty="0" smtClean="0"/>
+              <a:t> </a:t>
+            </a:r>
+            <a:r>
+              <a:rPr lang="en-US" sz="3200" dirty="0" err="1" smtClean="0"/>
+              <a:t>pháp</a:t>
+            </a:r>
+            <a:r>
+              <a:rPr lang="en-US" sz="3200" dirty="0" smtClean="0"/>
+              <a:t> </a:t>
+            </a:r>
+            <a:r>
+              <a:rPr lang="en-US" sz="3200" dirty="0" err="1" smtClean="0"/>
+              <a:t>đề</a:t>
+            </a:r>
+            <a:r>
+              <a:rPr lang="en-US" sz="3200" dirty="0" smtClean="0"/>
+              <a:t> </a:t>
+            </a:r>
+            <a:r>
+              <a:rPr lang="en-US" sz="3200" dirty="0" err="1" smtClean="0"/>
+              <a:t>xuất</a:t>
+            </a:r>
+            <a:r>
+              <a:rPr lang="en-US" sz="3200" dirty="0" smtClean="0"/>
+              <a:t> </a:t>
+            </a:r>
+            <a:r>
+              <a:rPr lang="en-US" sz="3200" dirty="0" err="1" smtClean="0"/>
+              <a:t>dựa</a:t>
+            </a:r>
+            <a:r>
+              <a:rPr lang="en-US" sz="3200" dirty="0" smtClean="0"/>
+              <a:t> </a:t>
+            </a:r>
+            <a:r>
+              <a:rPr lang="en-US" sz="3200" dirty="0" err="1" smtClean="0"/>
+              <a:t>trên</a:t>
+            </a:r>
+            <a:r>
+              <a:rPr lang="en-US" sz="3200" dirty="0" smtClean="0"/>
+              <a:t> </a:t>
+            </a:r>
+            <a:r>
+              <a:rPr lang="en-US" sz="3200" dirty="0" err="1" smtClean="0"/>
+              <a:t>bài</a:t>
+            </a:r>
+            <a:r>
+              <a:rPr lang="en-US" sz="3200" dirty="0" smtClean="0"/>
+              <a:t> </a:t>
+            </a:r>
+            <a:r>
+              <a:rPr lang="en-US" sz="3200" dirty="0" err="1" smtClean="0"/>
+              <a:t>báo</a:t>
+            </a:r>
+            <a:r>
+              <a:rPr lang="en-US" sz="3200" dirty="0" smtClean="0"/>
+              <a:t> “</a:t>
+            </a:r>
+            <a:r>
+              <a:rPr lang="en-US" sz="3200" i="1" dirty="0"/>
+              <a:t>A classification approach to </a:t>
+            </a:r>
+            <a:r>
+              <a:rPr lang="en-US" sz="3200" i="1" dirty="0" err="1"/>
+              <a:t>coreference</a:t>
+            </a:r>
+            <a:r>
+              <a:rPr lang="en-US" sz="3200" i="1" dirty="0"/>
+              <a:t> in discharge summaries: 2011 i2b2 </a:t>
+            </a:r>
+            <a:r>
+              <a:rPr lang="en-US" sz="3200" i="1" dirty="0" smtClean="0"/>
+              <a:t>challenge</a:t>
+            </a:r>
+            <a:r>
+              <a:rPr lang="en-US" sz="3200" dirty="0" smtClean="0"/>
+              <a:t>” </a:t>
+            </a:r>
+            <a:r>
+              <a:rPr lang="en-US" sz="3200" dirty="0" err="1" smtClean="0"/>
+              <a:t>của</a:t>
+            </a:r>
+            <a:r>
+              <a:rPr lang="en-US" sz="3200" dirty="0" smtClean="0"/>
+              <a:t> Yan Xu et al, 2012</a:t>
+            </a:r>
+            <a:endParaRPr lang="en-US" sz="3200" dirty="0" smtClean="0"/>
+          </a:p>
+          <a:p>
+            <a:pPr marL="457200" indent="-457200">
+              <a:spcBef>
+                <a:spcPct val="20000"/>
+              </a:spcBef>
+              <a:buFont typeface="Arial" panose="020B0604020202020204" pitchFamily="34" charset="0"/>
+              <a:buChar char="•"/>
+              <a:defRPr/>
+            </a:pPr>
+            <a:r>
+              <a:rPr lang="en-US" sz="3200" dirty="0" err="1" smtClean="0"/>
               <a:t>Sử</a:t>
             </a:r>
             <a:r>
-              <a:rPr lang="en-US" sz="2800" dirty="0" smtClean="0"/>
-              <a:t> </a:t>
-            </a:r>
-            <a:r>
-              <a:rPr lang="en-US" sz="2800" dirty="0" err="1" smtClean="0"/>
+              <a:rPr lang="en-US" sz="3200" dirty="0" smtClean="0"/>
+              <a:t> </a:t>
+            </a:r>
+            <a:r>
+              <a:rPr lang="en-US" sz="3200" dirty="0" err="1" smtClean="0"/>
               <a:t>dụng</a:t>
             </a:r>
             <a:r>
-              <a:rPr lang="en-US" sz="2800" dirty="0" smtClean="0"/>
-              <a:t> </a:t>
-            </a:r>
-            <a:r>
-              <a:rPr lang="en-US" sz="2800" dirty="0" err="1" smtClean="0"/>
+              <a:rPr lang="en-US" sz="3200" dirty="0" smtClean="0"/>
+              <a:t> </a:t>
+            </a:r>
+            <a:r>
+              <a:rPr lang="en-US" sz="3200" dirty="0" err="1" smtClean="0"/>
               <a:t>mô</a:t>
             </a:r>
             <a:r>
-              <a:rPr lang="en-US" sz="2800" dirty="0" smtClean="0"/>
-              <a:t> </a:t>
-            </a:r>
-            <a:r>
-              <a:rPr lang="en-US" sz="2800" dirty="0" err="1" smtClean="0"/>
+              <a:rPr lang="en-US" sz="3200" dirty="0" smtClean="0"/>
+              <a:t> </a:t>
+            </a:r>
+            <a:r>
+              <a:rPr lang="en-US" sz="3200" dirty="0" err="1" smtClean="0"/>
               <a:t>hình</a:t>
             </a:r>
             <a:r>
-              <a:rPr lang="en-US" sz="2800" dirty="0" smtClean="0"/>
-              <a:t> </a:t>
-            </a:r>
-            <a:r>
-              <a:rPr lang="en-US" sz="2800" dirty="0" err="1" smtClean="0"/>
+              <a:rPr lang="en-US" sz="3200" dirty="0" smtClean="0"/>
+              <a:t> </a:t>
+            </a:r>
+            <a:r>
+              <a:rPr lang="en-US" sz="3200" dirty="0" err="1" smtClean="0"/>
               <a:t>cặp</a:t>
             </a:r>
             <a:r>
-              <a:rPr lang="en-US" sz="2800" dirty="0" smtClean="0"/>
-              <a:t> </a:t>
-            </a:r>
-            <a:r>
-              <a:rPr lang="en-US" sz="2800" dirty="0" err="1" smtClean="0"/>
+              <a:rPr lang="en-US" sz="3200" dirty="0" smtClean="0"/>
+              <a:t> </a:t>
+            </a:r>
+            <a:r>
+              <a:rPr lang="en-US" sz="3200" dirty="0" err="1" smtClean="0"/>
               <a:t>khái</a:t>
             </a:r>
             <a:r>
-              <a:rPr lang="en-US" sz="2800" dirty="0" smtClean="0"/>
-              <a:t> </a:t>
-            </a:r>
-            <a:r>
-              <a:rPr lang="en-US" sz="2800" dirty="0" err="1" smtClean="0"/>
+              <a:rPr lang="en-US" sz="3200" dirty="0" smtClean="0"/>
+              <a:t> </a:t>
+            </a:r>
+            <a:r>
+              <a:rPr lang="en-US" sz="3200" dirty="0" err="1" smtClean="0"/>
               <a:t>niệm</a:t>
             </a:r>
-            <a:endParaRPr lang="en-US" sz="2800" dirty="0" smtClean="0"/>
+            <a:endParaRPr lang="en-US" sz="3200" dirty="0" smtClean="0"/>
           </a:p>
           <a:p>
             <a:pPr marL="914400" lvl="1" indent="-457200">
@@ -11678,43 +12448,43 @@
               <a:defRPr/>
             </a:pPr>
             <a:r>
-              <a:rPr lang="en-US" sz="2400" dirty="0" err="1" smtClean="0"/>
+              <a:rPr lang="en-US" sz="2800" dirty="0" err="1" smtClean="0"/>
               <a:t>Gom</a:t>
             </a:r>
             <a:r>
-              <a:rPr lang="en-US" sz="2400" dirty="0" smtClean="0"/>
-              <a:t> </a:t>
-            </a:r>
-            <a:r>
-              <a:rPr lang="en-US" sz="2400" dirty="0" err="1" smtClean="0"/>
+              <a:rPr lang="en-US" sz="2800" dirty="0" smtClean="0"/>
+              <a:t> </a:t>
+            </a:r>
+            <a:r>
+              <a:rPr lang="en-US" sz="2800" dirty="0" err="1" smtClean="0"/>
               <a:t>cụm</a:t>
             </a:r>
             <a:r>
-              <a:rPr lang="en-US" sz="2400" dirty="0" smtClean="0"/>
-              <a:t> </a:t>
-            </a:r>
-            <a:r>
-              <a:rPr lang="en-US" sz="2400" dirty="0" err="1" smtClean="0"/>
+              <a:rPr lang="en-US" sz="2800" dirty="0" smtClean="0"/>
+              <a:t> </a:t>
+            </a:r>
+            <a:r>
+              <a:rPr lang="en-US" sz="2800" dirty="0" err="1" smtClean="0"/>
               <a:t>tốt</a:t>
             </a:r>
             <a:r>
-              <a:rPr lang="en-US" sz="2400" dirty="0" smtClean="0"/>
-              <a:t> </a:t>
-            </a:r>
-            <a:r>
-              <a:rPr lang="en-US" sz="2400" dirty="0" err="1" smtClean="0"/>
+              <a:rPr lang="en-US" sz="2800" dirty="0" smtClean="0"/>
+              <a:t> </a:t>
+            </a:r>
+            <a:r>
+              <a:rPr lang="en-US" sz="2800" dirty="0" err="1" smtClean="0"/>
               <a:t>nhất</a:t>
             </a:r>
             <a:r>
-              <a:rPr lang="en-US" sz="2400" dirty="0" smtClean="0"/>
-              <a:t> </a:t>
-            </a:r>
-            <a:r>
-              <a:rPr lang="en-US" sz="2400" dirty="0" err="1" smtClean="0"/>
+              <a:rPr lang="en-US" sz="2800" dirty="0" smtClean="0"/>
+              <a:t> </a:t>
+            </a:r>
+            <a:r>
+              <a:rPr lang="en-US" sz="2800" dirty="0" err="1" smtClean="0"/>
               <a:t>trước</a:t>
             </a:r>
             <a:r>
-              <a:rPr lang="en-US" sz="2400" dirty="0" smtClean="0"/>
+              <a:rPr lang="en-US" sz="2800" dirty="0" smtClean="0"/>
               <a:t> (best-first clustering)</a:t>
             </a:r>
           </a:p>
@@ -11728,95 +12498,72 @@
               <a:defRPr/>
             </a:pPr>
             <a:r>
-              <a:rPr lang="en-US" sz="2400" dirty="0" err="1" smtClean="0"/>
+              <a:rPr lang="en-US" sz="2800" dirty="0" err="1" smtClean="0"/>
               <a:t>Tập</a:t>
             </a:r>
             <a:r>
-              <a:rPr lang="en-US" sz="2400" dirty="0" smtClean="0"/>
-              <a:t> </a:t>
-            </a:r>
-            <a:r>
-              <a:rPr lang="en-US" sz="2400" dirty="0" err="1" smtClean="0"/>
+              <a:rPr lang="en-US" sz="2800" dirty="0" smtClean="0"/>
+              <a:t> </a:t>
+            </a:r>
+            <a:r>
+              <a:rPr lang="en-US" sz="2800" dirty="0" err="1" smtClean="0"/>
               <a:t>trung</a:t>
             </a:r>
             <a:r>
-              <a:rPr lang="en-US" sz="2400" dirty="0" smtClean="0"/>
-              <a:t> </a:t>
-            </a:r>
-            <a:r>
-              <a:rPr lang="en-US" sz="2400" dirty="0" err="1" smtClean="0"/>
+              <a:rPr lang="en-US" sz="2800" dirty="0" smtClean="0"/>
+              <a:t> </a:t>
+            </a:r>
+            <a:r>
+              <a:rPr lang="en-US" sz="2800" dirty="0" err="1" smtClean="0"/>
               <a:t>vào</a:t>
             </a:r>
             <a:r>
-              <a:rPr lang="en-US" sz="2400" dirty="0" smtClean="0"/>
-              <a:t> </a:t>
-            </a:r>
-            <a:r>
-              <a:rPr lang="en-US" sz="2400" dirty="0" err="1" smtClean="0"/>
+              <a:rPr lang="en-US" sz="2800" dirty="0" smtClean="0"/>
+              <a:t> </a:t>
+            </a:r>
+            <a:r>
+              <a:rPr lang="en-US" sz="2800" dirty="0" err="1" smtClean="0"/>
               <a:t>thiết</a:t>
             </a:r>
             <a:r>
-              <a:rPr lang="en-US" sz="2400" dirty="0" smtClean="0"/>
-              <a:t> </a:t>
-            </a:r>
-            <a:r>
-              <a:rPr lang="en-US" sz="2400" dirty="0" err="1" smtClean="0"/>
+              <a:rPr lang="en-US" sz="2800" dirty="0" smtClean="0"/>
+              <a:t> </a:t>
+            </a:r>
+            <a:r>
+              <a:rPr lang="en-US" sz="2800" dirty="0" err="1" smtClean="0"/>
               <a:t>kế</a:t>
             </a:r>
             <a:r>
-              <a:rPr lang="en-US" sz="2400" dirty="0" smtClean="0"/>
-              <a:t> </a:t>
-            </a:r>
-            <a:r>
-              <a:rPr lang="en-US" sz="2400" dirty="0" err="1" smtClean="0"/>
+              <a:rPr lang="en-US" sz="2800" dirty="0" smtClean="0"/>
+              <a:t> </a:t>
+            </a:r>
+            <a:r>
+              <a:rPr lang="en-US" sz="2800" dirty="0" err="1" smtClean="0"/>
               <a:t>tập</a:t>
             </a:r>
             <a:r>
-              <a:rPr lang="en-US" sz="2400" dirty="0" smtClean="0"/>
-              <a:t> </a:t>
-            </a:r>
-            <a:r>
-              <a:rPr lang="en-US" sz="2400" dirty="0" err="1" smtClean="0"/>
+              <a:rPr lang="en-US" sz="2800" dirty="0" smtClean="0"/>
+              <a:t> </a:t>
+            </a:r>
+            <a:r>
+              <a:rPr lang="en-US" sz="2800" dirty="0" err="1" smtClean="0"/>
               <a:t>thuộc</a:t>
             </a:r>
             <a:r>
-              <a:rPr lang="en-US" sz="2400" dirty="0" smtClean="0"/>
-              <a:t> </a:t>
-            </a:r>
-            <a:r>
-              <a:rPr lang="en-US" sz="2400" dirty="0" err="1" smtClean="0"/>
+              <a:rPr lang="en-US" sz="2800" dirty="0" smtClean="0"/>
+              <a:t> </a:t>
+            </a:r>
+            <a:r>
+              <a:rPr lang="en-US" sz="2800" dirty="0" err="1" smtClean="0"/>
               <a:t>tính</a:t>
             </a:r>
             <a:r>
-              <a:rPr lang="en-US" sz="2400" dirty="0" smtClean="0"/>
-              <a:t> </a:t>
-            </a:r>
-            <a:r>
-              <a:rPr lang="en-US" sz="2400" dirty="0" err="1" smtClean="0"/>
+              <a:rPr lang="en-US" sz="2800" dirty="0" smtClean="0"/>
+              <a:t> </a:t>
+            </a:r>
+            <a:r>
+              <a:rPr lang="en-US" sz="2800" dirty="0" err="1" smtClean="0"/>
               <a:t>đặc</a:t>
-            </a:r>
-            <a:r>
-              <a:rPr lang="en-US" sz="2400" dirty="0" smtClean="0"/>
-              <a:t> </a:t>
-            </a:r>
-            <a:r>
-              <a:rPr lang="en-US" sz="2400" dirty="0" err="1" smtClean="0"/>
-              <a:t>trưng</a:t>
-            </a:r>
-            <a:endParaRPr lang="en-US" sz="2400" dirty="0" smtClean="0"/>
-          </a:p>
-          <a:p>
-            <a:pPr marL="457200" indent="-457200">
-              <a:spcBef>
-                <a:spcPct val="20000"/>
-              </a:spcBef>
-              <a:buFont typeface="Arial" panose="020B0604020202020204" pitchFamily="34" charset="0"/>
-              <a:buChar char="•"/>
-              <a:defRPr/>
-            </a:pPr>
-            <a:r>
-              <a:rPr lang="en-US" sz="2800" dirty="0" err="1" smtClean="0"/>
-              <a:t>Đặc</a:t>
             </a:r>
             <a:r>
               <a:rPr lang="en-US" sz="2800" dirty="0" smtClean="0"/>
@@ -11826,411 +12573,7 @@
               <a:rPr lang="en-US" sz="2800" dirty="0" err="1" smtClean="0"/>
               <a:t>trưng</a:t>
             </a:r>
-            <a:r>
-              <a:rPr lang="en-US" sz="2800" dirty="0" smtClean="0"/>
-              <a:t> </a:t>
-            </a:r>
-            <a:r>
-              <a:rPr lang="en-US" sz="2800" dirty="0" err="1" smtClean="0"/>
-              <a:t>lớp</a:t>
-            </a:r>
-            <a:r>
-              <a:rPr lang="en-US" sz="2800" dirty="0" smtClean="0"/>
-              <a:t> Person</a:t>
-            </a:r>
-          </a:p>
-          <a:p>
-            <a:pPr marL="914400" lvl="1" indent="-457200">
-              <a:spcBef>
-                <a:spcPct val="20000"/>
-              </a:spcBef>
-              <a:buFont typeface="Arial" panose="020B0604020202020204" pitchFamily="34" charset="0"/>
-              <a:buChar char="•"/>
-              <a:defRPr/>
-            </a:pPr>
-            <a:r>
-              <a:rPr lang="en-US" sz="2400" dirty="0" err="1" smtClean="0"/>
-              <a:t>Tồn</a:t>
-            </a:r>
-            <a:r>
-              <a:rPr lang="en-US" sz="2400" dirty="0" smtClean="0"/>
-              <a:t> </a:t>
-            </a:r>
-            <a:r>
-              <a:rPr lang="en-US" sz="2400" dirty="0" err="1" smtClean="0"/>
-              <a:t>tại</a:t>
-            </a:r>
-            <a:r>
-              <a:rPr lang="en-US" sz="2400" dirty="0" smtClean="0"/>
-              <a:t> </a:t>
-            </a:r>
-            <a:r>
-              <a:rPr lang="en-US" sz="2400" dirty="0" err="1" smtClean="0"/>
-              <a:t>một</a:t>
-            </a:r>
-            <a:r>
-              <a:rPr lang="en-US" sz="2400" dirty="0" smtClean="0"/>
-              <a:t> </a:t>
-            </a:r>
-            <a:r>
-              <a:rPr lang="en-US" sz="2400" dirty="0" err="1" smtClean="0"/>
-              <a:t>chuỗi</a:t>
-            </a:r>
-            <a:r>
-              <a:rPr lang="en-US" sz="2400" dirty="0" smtClean="0"/>
-              <a:t> </a:t>
-            </a:r>
-            <a:r>
-              <a:rPr lang="en-US" sz="2400" dirty="0" err="1" smtClean="0"/>
-              <a:t>đồng</a:t>
-            </a:r>
-            <a:r>
-              <a:rPr lang="en-US" sz="2400" dirty="0" smtClean="0"/>
-              <a:t> </a:t>
-            </a:r>
-            <a:r>
-              <a:rPr lang="en-US" sz="2400" dirty="0" err="1" smtClean="0"/>
-              <a:t>tham</a:t>
-            </a:r>
-            <a:r>
-              <a:rPr lang="en-US" sz="2400" dirty="0" smtClean="0"/>
-              <a:t> </a:t>
-            </a:r>
-            <a:r>
-              <a:rPr lang="en-US" sz="2400" dirty="0" err="1" smtClean="0"/>
-              <a:t>chiếu</a:t>
-            </a:r>
-            <a:r>
-              <a:rPr lang="en-US" sz="2400" dirty="0" smtClean="0"/>
-              <a:t> </a:t>
-            </a:r>
-            <a:r>
-              <a:rPr lang="en-US" sz="2400" dirty="0" err="1" smtClean="0"/>
-              <a:t>lớn</a:t>
-            </a:r>
-            <a:r>
-              <a:rPr lang="en-US" sz="2400" dirty="0" smtClean="0"/>
-              <a:t> </a:t>
-            </a:r>
-            <a:r>
-              <a:rPr lang="en-US" sz="2400" dirty="0" err="1" smtClean="0"/>
-              <a:t>chỉ</a:t>
-            </a:r>
-            <a:r>
-              <a:rPr lang="en-US" sz="2400" dirty="0" smtClean="0"/>
-              <a:t> </a:t>
-            </a:r>
-            <a:r>
-              <a:rPr lang="en-US" sz="2400" dirty="0" err="1" smtClean="0"/>
-              <a:t>về</a:t>
-            </a:r>
-            <a:r>
-              <a:rPr lang="en-US" sz="2400" dirty="0" smtClean="0"/>
-              <a:t> </a:t>
-            </a:r>
-            <a:r>
-              <a:rPr lang="en-US" sz="2400" dirty="0" err="1" smtClean="0"/>
-              <a:t>bệnh</a:t>
-            </a:r>
-            <a:r>
-              <a:rPr lang="en-US" sz="2400" dirty="0" smtClean="0"/>
-              <a:t> </a:t>
-            </a:r>
-            <a:r>
-              <a:rPr lang="en-US" sz="2400" dirty="0" err="1" smtClean="0"/>
-              <a:t>nhân</a:t>
-            </a:r>
-            <a:endParaRPr lang="en-US" sz="2400" dirty="0" smtClean="0"/>
-          </a:p>
-          <a:p>
-            <a:pPr marL="457200" indent="-457200">
-              <a:spcBef>
-                <a:spcPct val="20000"/>
-              </a:spcBef>
-              <a:buFont typeface="Arial" panose="020B0604020202020204" pitchFamily="34" charset="0"/>
-              <a:buChar char="•"/>
-              <a:defRPr/>
-            </a:pPr>
-            <a:r>
-              <a:rPr lang="en-US" sz="2800" dirty="0" err="1" smtClean="0"/>
-              <a:t>Đặc</a:t>
-            </a:r>
-            <a:r>
-              <a:rPr lang="en-US" sz="2800" dirty="0" smtClean="0"/>
-              <a:t> </a:t>
-            </a:r>
-            <a:r>
-              <a:rPr lang="en-US" sz="2800" dirty="0" err="1" smtClean="0"/>
-              <a:t>trưng</a:t>
-            </a:r>
-            <a:r>
-              <a:rPr lang="en-US" sz="2800" dirty="0" smtClean="0"/>
-              <a:t> </a:t>
-            </a:r>
-            <a:r>
-              <a:rPr lang="en-US" sz="2800" dirty="0" err="1" smtClean="0"/>
-              <a:t>lớp</a:t>
-            </a:r>
-            <a:r>
-              <a:rPr lang="en-US" sz="2800" dirty="0" smtClean="0"/>
-              <a:t> Problem/Treatment/Test</a:t>
-            </a:r>
-          </a:p>
-          <a:p>
-            <a:pPr marL="914400" lvl="1" indent="-457200">
-              <a:spcBef>
-                <a:spcPct val="20000"/>
-              </a:spcBef>
-              <a:buFont typeface="Arial" panose="020B0604020202020204" pitchFamily="34" charset="0"/>
-              <a:buChar char="•"/>
-              <a:defRPr/>
-            </a:pPr>
-            <a:r>
-              <a:rPr lang="en-US" sz="2400" dirty="0" err="1" smtClean="0"/>
-              <a:t>Một</a:t>
-            </a:r>
-            <a:r>
-              <a:rPr lang="en-US" sz="2400" dirty="0" smtClean="0"/>
-              <a:t> </a:t>
-            </a:r>
-            <a:r>
-              <a:rPr lang="en-US" sz="2400" dirty="0" err="1" smtClean="0"/>
-              <a:t>số</a:t>
-            </a:r>
-            <a:r>
-              <a:rPr lang="en-US" sz="2400" dirty="0" smtClean="0"/>
-              <a:t> </a:t>
-            </a:r>
-            <a:r>
-              <a:rPr lang="en-US" sz="2400" dirty="0" err="1" smtClean="0"/>
-              <a:t>lượng</a:t>
-            </a:r>
-            <a:r>
-              <a:rPr lang="en-US" sz="2400" dirty="0" smtClean="0"/>
-              <a:t> </a:t>
-            </a:r>
-            <a:r>
-              <a:rPr lang="en-US" sz="2400" dirty="0" err="1" smtClean="0"/>
-              <a:t>lớn</a:t>
-            </a:r>
-            <a:r>
-              <a:rPr lang="en-US" sz="2400" dirty="0" smtClean="0"/>
-              <a:t> </a:t>
-            </a:r>
-            <a:r>
-              <a:rPr lang="en-US" sz="2400" dirty="0" err="1" smtClean="0"/>
-              <a:t>các</a:t>
-            </a:r>
-            <a:r>
-              <a:rPr lang="en-US" sz="2400" dirty="0" smtClean="0"/>
-              <a:t> </a:t>
-            </a:r>
-            <a:r>
-              <a:rPr lang="en-US" sz="2400" dirty="0" err="1" smtClean="0"/>
-              <a:t>từ</a:t>
-            </a:r>
-            <a:r>
-              <a:rPr lang="en-US" sz="2400" dirty="0" smtClean="0"/>
-              <a:t> </a:t>
-            </a:r>
-            <a:r>
-              <a:rPr lang="en-US" sz="2400" dirty="0" err="1" smtClean="0"/>
-              <a:t>đồng</a:t>
-            </a:r>
-            <a:r>
-              <a:rPr lang="en-US" sz="2400" dirty="0" smtClean="0"/>
-              <a:t> </a:t>
-            </a:r>
-            <a:r>
-              <a:rPr lang="en-US" sz="2400" dirty="0" err="1" smtClean="0"/>
-              <a:t>nghĩa</a:t>
-            </a:r>
-            <a:r>
-              <a:rPr lang="en-US" sz="2400" dirty="0" smtClean="0"/>
-              <a:t>, </a:t>
-            </a:r>
-            <a:r>
-              <a:rPr lang="en-US" sz="2400" dirty="0" err="1" smtClean="0"/>
-              <a:t>viết</a:t>
-            </a:r>
-            <a:r>
-              <a:rPr lang="en-US" sz="2400" dirty="0" smtClean="0"/>
-              <a:t> </a:t>
-            </a:r>
-            <a:r>
-              <a:rPr lang="en-US" sz="2400" dirty="0" err="1" smtClean="0"/>
-              <a:t>tắt</a:t>
-            </a:r>
-            <a:endParaRPr lang="en-US" sz="2400" dirty="0" smtClean="0"/>
-          </a:p>
-          <a:p>
-            <a:pPr marL="914400" lvl="1" indent="-457200">
-              <a:spcBef>
-                <a:spcPct val="20000"/>
-              </a:spcBef>
-              <a:buFont typeface="Arial" panose="020B0604020202020204" pitchFamily="34" charset="0"/>
-              <a:buChar char="•"/>
-              <a:defRPr/>
-            </a:pPr>
-            <a:r>
-              <a:rPr lang="en-US" sz="2400" dirty="0" err="1" smtClean="0"/>
-              <a:t>Phụ</a:t>
-            </a:r>
-            <a:r>
-              <a:rPr lang="en-US" sz="2400" dirty="0" smtClean="0"/>
-              <a:t> </a:t>
-            </a:r>
-            <a:r>
-              <a:rPr lang="en-US" sz="2400" dirty="0" err="1" smtClean="0"/>
-              <a:t>thuộc</a:t>
-            </a:r>
-            <a:r>
-              <a:rPr lang="en-US" sz="2400" dirty="0" smtClean="0"/>
-              <a:t> </a:t>
-            </a:r>
-            <a:r>
-              <a:rPr lang="en-US" sz="2400" dirty="0" err="1" smtClean="0"/>
-              <a:t>ngữ</a:t>
-            </a:r>
-            <a:r>
-              <a:rPr lang="en-US" sz="2400" dirty="0" smtClean="0"/>
-              <a:t> </a:t>
-            </a:r>
-            <a:r>
-              <a:rPr lang="en-US" sz="2400" dirty="0" err="1" smtClean="0"/>
-              <a:t>cảnh</a:t>
-            </a:r>
-            <a:endParaRPr lang="en-US" sz="2400" dirty="0" smtClean="0"/>
-          </a:p>
-          <a:p>
-            <a:pPr marL="457200" indent="-457200">
-              <a:spcBef>
-                <a:spcPct val="20000"/>
-              </a:spcBef>
-              <a:buFont typeface="Arial" panose="020B0604020202020204" pitchFamily="34" charset="0"/>
-              <a:buChar char="•"/>
-              <a:defRPr/>
-            </a:pPr>
-            <a:r>
-              <a:rPr lang="en-US" sz="2800" dirty="0" err="1" smtClean="0"/>
-              <a:t>Đặc</a:t>
-            </a:r>
-            <a:r>
-              <a:rPr lang="en-US" sz="2800" dirty="0" smtClean="0"/>
-              <a:t> </a:t>
-            </a:r>
-            <a:r>
-              <a:rPr lang="en-US" sz="2800" dirty="0" err="1" smtClean="0"/>
-              <a:t>trưng</a:t>
-            </a:r>
-            <a:r>
-              <a:rPr lang="en-US" sz="2800" dirty="0" smtClean="0"/>
-              <a:t> </a:t>
-            </a:r>
-            <a:r>
-              <a:rPr lang="en-US" sz="2800" dirty="0" err="1" smtClean="0"/>
-              <a:t>lớp</a:t>
-            </a:r>
-            <a:r>
-              <a:rPr lang="en-US" sz="2800" dirty="0" smtClean="0"/>
-              <a:t> </a:t>
-            </a:r>
-            <a:r>
-              <a:rPr lang="en-US" sz="2800" dirty="0" smtClean="0"/>
-              <a:t>Pronoun</a:t>
-            </a:r>
             <a:endParaRPr lang="en-US" sz="2800" dirty="0" smtClean="0"/>
-          </a:p>
-          <a:p>
-            <a:pPr marL="914400" lvl="1" indent="-457200">
-              <a:spcBef>
-                <a:spcPct val="20000"/>
-              </a:spcBef>
-              <a:buFont typeface="Arial" panose="020B0604020202020204" pitchFamily="34" charset="0"/>
-              <a:buChar char="•"/>
-              <a:defRPr/>
-            </a:pPr>
-            <a:r>
-              <a:rPr lang="en-US" sz="2400" dirty="0" err="1" smtClean="0"/>
-              <a:t>Tham</a:t>
-            </a:r>
-            <a:r>
-              <a:rPr lang="en-US" sz="2400" dirty="0" smtClean="0"/>
-              <a:t> </a:t>
-            </a:r>
-            <a:r>
-              <a:rPr lang="en-US" sz="2400" dirty="0" err="1" smtClean="0"/>
-              <a:t>chiếu</a:t>
-            </a:r>
-            <a:r>
-              <a:rPr lang="en-US" sz="2400" dirty="0" smtClean="0"/>
-              <a:t> </a:t>
-            </a:r>
-            <a:r>
-              <a:rPr lang="en-US" sz="2400" dirty="0" err="1" smtClean="0"/>
-              <a:t>tới</a:t>
-            </a:r>
-            <a:r>
-              <a:rPr lang="en-US" sz="2400" dirty="0" smtClean="0"/>
-              <a:t> </a:t>
-            </a:r>
-            <a:r>
-              <a:rPr lang="en-US" sz="2400" dirty="0" err="1" smtClean="0"/>
-              <a:t>khái</a:t>
-            </a:r>
-            <a:r>
-              <a:rPr lang="en-US" sz="2400" dirty="0" smtClean="0"/>
-              <a:t> </a:t>
-            </a:r>
-            <a:r>
-              <a:rPr lang="en-US" sz="2400" dirty="0" err="1" smtClean="0"/>
-              <a:t>niệm</a:t>
-            </a:r>
-            <a:r>
-              <a:rPr lang="en-US" sz="2400" dirty="0" smtClean="0"/>
-              <a:t> </a:t>
-            </a:r>
-            <a:r>
-              <a:rPr lang="en-US" sz="2400" dirty="0" err="1" smtClean="0"/>
-              <a:t>cùng</a:t>
-            </a:r>
-            <a:r>
-              <a:rPr lang="en-US" sz="2400" dirty="0" smtClean="0"/>
-              <a:t> </a:t>
-            </a:r>
-            <a:r>
-              <a:rPr lang="en-US" sz="2400" dirty="0" err="1" smtClean="0"/>
-              <a:t>lớp</a:t>
-            </a:r>
-            <a:r>
-              <a:rPr lang="en-US" sz="2400" dirty="0" smtClean="0"/>
-              <a:t> </a:t>
-            </a:r>
-            <a:r>
-              <a:rPr lang="en-US" sz="2400" dirty="0" smtClean="0"/>
-              <a:t>ở </a:t>
-            </a:r>
-            <a:r>
-              <a:rPr lang="en-US" sz="2400" dirty="0" err="1" smtClean="0"/>
-              <a:t>gần</a:t>
-            </a:r>
-            <a:r>
-              <a:rPr lang="en-US" sz="2400" dirty="0" smtClean="0"/>
-              <a:t> </a:t>
-            </a:r>
-            <a:r>
-              <a:rPr lang="en-US" sz="2400" dirty="0" err="1" smtClean="0"/>
-              <a:t>nó</a:t>
-            </a:r>
-            <a:r>
-              <a:rPr lang="en-US" sz="2400" dirty="0" smtClean="0"/>
-              <a:t> </a:t>
-            </a:r>
-            <a:r>
-              <a:rPr lang="en-US" sz="2400" dirty="0" err="1" smtClean="0"/>
-              <a:t>nhất</a:t>
-            </a:r>
-            <a:endParaRPr lang="en-US" sz="2400" dirty="0" smtClean="0"/>
           </a:p>
         </p:txBody>
       </p:sp>
